--- a/Templates/Morgan Stanley.pptx
+++ b/Templates/Morgan Stanley.pptx
@@ -238,7 +238,7 @@
           <a:p>
             <a:fld id="{515CCE07-1711-4DC7-A7D8-7ED312C82FB8}" type="datetimeFigureOut">
               <a:rPr lang="fr-FR" smtClean="0"/>
-              <a:t>11/07/2022</a:t>
+              <a:t>15/07/2022</a:t>
             </a:fld>
             <a:endParaRPr lang="fr-FR"/>
           </a:p>
@@ -1393,53 +1393,6 @@
           <a:chExt cx="0" cy="0"/>
         </a:xfrm>
       </p:grpSpPr>
-      <p:pic>
-        <p:nvPicPr>
-          <p:cNvPr id="8" name="Picture 2" descr="blue and black city buildings photography">
-            <a:extLst>
-              <a:ext uri="{FF2B5EF4-FFF2-40B4-BE49-F238E27FC236}">
-                <a16:creationId xmlns:a16="http://schemas.microsoft.com/office/drawing/2014/main" id="{13DC8B5A-F4C7-47D2-B401-36F461421539}"/>
-              </a:ext>
-            </a:extLst>
-          </p:cNvPr>
-          <p:cNvPicPr>
-            <a:picLocks noChangeAspect="1" noChangeArrowheads="1"/>
-          </p:cNvPicPr>
-          <p:nvPr/>
-        </p:nvPicPr>
-        <p:blipFill>
-          <a:blip r:embed="rId2">
-            <a:extLst>
-              <a:ext uri="{28A0092B-C50C-407E-A947-70E740481C1C}">
-                <a14:useLocalDpi xmlns:a14="http://schemas.microsoft.com/office/drawing/2010/main" val="0"/>
-              </a:ext>
-            </a:extLst>
-          </a:blip>
-          <a:srcRect/>
-          <a:stretch>
-            <a:fillRect/>
-          </a:stretch>
-        </p:blipFill>
-        <p:spPr bwMode="auto">
-          <a:xfrm>
-            <a:off x="376518" y="737499"/>
-            <a:ext cx="6823318" cy="4316323"/>
-          </a:xfrm>
-          <a:prstGeom prst="rect">
-            <a:avLst/>
-          </a:prstGeom>
-          <a:noFill/>
-          <a:extLst>
-            <a:ext uri="{909E8E84-426E-40DD-AFC4-6F175D3DCCD1}">
-              <a14:hiddenFill xmlns:a14="http://schemas.microsoft.com/office/drawing/2010/main">
-                <a:solidFill>
-                  <a:srgbClr val="FFFFFF"/>
-                </a:solidFill>
-              </a14:hiddenFill>
-            </a:ext>
-          </a:extLst>
-        </p:spPr>
-      </p:pic>
       <p:sp>
         <p:nvSpPr>
           <p:cNvPr id="13" name="Rectangle">
@@ -1530,7 +1483,7 @@
               <a:buSzPct val="130000"/>
               <a:buFontTx/>
               <a:buBlip>
-                <a:blip r:embed="rId3"/>
+                <a:blip r:embed="rId2"/>
               </a:buBlip>
               <a:defRPr sz="1100" kern="1200" cap="all" baseline="0">
                 <a:solidFill>
@@ -1778,23 +1731,14 @@
                 </a:solidFill>
                 <a:latin typeface="Futura PT" panose="020B0902020204020203" pitchFamily="34" charset="0"/>
               </a:rPr>
-              <a:t>Durée d’investissement conseillée </a:t>
-            </a:r>
-            <a:r>
-              <a:rPr lang="fr-FR" sz="800" b="1">
-                <a:solidFill>
-                  <a:srgbClr val="B9A049"/>
-                </a:solidFill>
-                <a:latin typeface="Futura PT" panose="020B0902020204020203" pitchFamily="34" charset="0"/>
-              </a:rPr>
-              <a:t>: </a:t>
-            </a:r>
-            <a:r>
-              <a:rPr lang="fr-FR" sz="800" b="1" cap="none"/>
+              <a:t>Durée d’investissement conseillée : </a:t>
+            </a:r>
+            <a:r>
+              <a:rPr lang="fr-FR" sz="800" b="1" cap="none" dirty="0"/>
               <a:t>&lt;DIC&gt; </a:t>
             </a:r>
             <a:r>
-              <a:rPr lang="fr-FR" sz="800" b="1" cap="none" dirty="0"/>
+              <a:rPr lang="fr-FR" sz="800" cap="none" dirty="0"/>
               <a:t>(</a:t>
             </a:r>
             <a:r>
@@ -2297,8 +2241,8 @@
         </p:nvSpPr>
         <p:spPr bwMode="auto">
           <a:xfrm>
-            <a:off x="359839" y="9765983"/>
-            <a:ext cx="6485461" cy="569387"/>
+            <a:off x="357298" y="9731312"/>
+            <a:ext cx="6485461" cy="600164"/>
           </a:xfrm>
           <a:prstGeom prst="rect">
             <a:avLst/>
@@ -2319,89 +2263,38 @@
           <a:p>
             <a:pPr algn="just" defTabSz="914400"/>
             <a:r>
-              <a:rPr lang="fr-FR" sz="600" i="1" baseline="30000" dirty="0">
+              <a:rPr lang="fr-FR" sz="650" dirty="0">
                 <a:solidFill>
                   <a:schemeClr val="tx2"/>
                 </a:solidFill>
                 <a:latin typeface="Proxima Nova Rg" panose="02000506030000020004" pitchFamily="2" charset="0"/>
               </a:rPr>
-              <a:t>(1) </a:t>
-            </a:r>
-            <a:r>
-              <a:rPr lang="fr-FR" sz="600" i="1" dirty="0">
-                <a:solidFill>
-                  <a:schemeClr val="tx2"/>
-                </a:solidFill>
-                <a:latin typeface="Proxima Nova Rg" panose="02000506030000020004" pitchFamily="2" charset="0"/>
-              </a:rPr>
-              <a:t>L’investisseur prend un risque de perte en capital non mesurable a priori si les titres de créance sont revendus avant la date d’échéance ou de remboursement automatique anticipé. L'investisseur supporte le risque de défaut de paiement et/ou faillite de l’Émetteur. Pour les autres risques de perte en capital, voir pages suivantes.</a:t>
+              <a:t>(1) L’investisseur prend un risque de perte en capital non mesurable a priori si les titres de créance sont revendus avant la date d’échéance ou de remboursement automatique anticipé. L'investisseur supporte le risque de défaut de paiement et/ou faillite de l’Émetteur. Pour les autres risques de perte en capital, voir pages suivantes.</a:t>
             </a:r>
           </a:p>
           <a:p>
             <a:pPr algn="just" defTabSz="914400"/>
             <a:r>
-              <a:rPr lang="fr-FR" sz="600" i="1" baseline="30000" dirty="0">
+              <a:rPr lang="fr-FR" sz="650" dirty="0">
                 <a:solidFill>
                   <a:schemeClr val="tx2"/>
                 </a:solidFill>
                 <a:latin typeface="Proxima Nova Rg" panose="02000506030000020004" pitchFamily="2" charset="0"/>
               </a:rPr>
-              <a:t>(2) </a:t>
-            </a:r>
-            <a:r>
-              <a:rPr lang="fr-FR" sz="600" i="1" dirty="0">
-                <a:solidFill>
-                  <a:schemeClr val="tx2"/>
-                </a:solidFill>
-                <a:latin typeface="Proxima Nova Rg" panose="02000506030000020004" pitchFamily="2" charset="0"/>
-              </a:rPr>
-              <a:t>L’Assureur s’engage exclusivement sur le nombre d’unités de compte mais non sur leur valeur, qu’il ne garantit pas. Il est précisé que l’Assureur d’une part et l’Émetteur d’autre part, sont des entités juridiques indépendantes. Ce document n’a pas été rédigé par l’Assureur.</a:t>
+              <a:t>(2) L’Assureur s’engage exclusivement sur le nombre d’unités de compte mais non sur leur valeur, qu’il ne garantit pas. Il est précisé que l’Assureur d’une part et l’Émetteur d’autre part, sont des entités juridiques indépendantes. Ce document n’a pas été rédigé par l’Assureur.</a:t>
             </a:r>
           </a:p>
           <a:p>
             <a:pPr algn="just" defTabSz="914400"/>
             <a:r>
-              <a:rPr lang="fr-FR" sz="600" i="1" baseline="30000" dirty="0">
+              <a:rPr lang="fr-FR" sz="650" dirty="0">
                 <a:solidFill>
                   <a:schemeClr val="tx2"/>
                 </a:solidFill>
                 <a:latin typeface="Proxima Nova Rg" panose="02000506030000020004" pitchFamily="2" charset="0"/>
               </a:rPr>
-              <a:t>(3) </a:t>
-            </a:r>
-            <a:r>
-              <a:rPr lang="fr-FR" sz="600" i="1" dirty="0">
-                <a:solidFill>
-                  <a:schemeClr val="tx2"/>
-                </a:solidFill>
-                <a:latin typeface="Proxima Nova Rg" panose="02000506030000020004" pitchFamily="2" charset="0"/>
-              </a:rPr>
-              <a:t>Morgan Stanley &amp; Co International Plc : Moody’s Aa3 / S&amp;P A+. Notations en vigueur au moment de la rédaction de la présente brochure le </a:t>
-            </a:r>
-            <a:r>
-              <a:rPr lang="fr-FR" sz="650" dirty="0">
-                <a:solidFill>
-                  <a:schemeClr val="tx2"/>
-                </a:solidFill>
-                <a:latin typeface="Proxima Nova Rg" panose="02000506030000020004" pitchFamily="2" charset="0"/>
-              </a:rPr>
-              <a:t>&lt;DDR_MAJ&gt;. </a:t>
-            </a:r>
-            <a:r>
-              <a:rPr lang="fr-FR" sz="600" i="1" dirty="0">
-                <a:solidFill>
-                  <a:schemeClr val="tx2"/>
-                </a:solidFill>
-                <a:latin typeface="Proxima Nova Rg" panose="02000506030000020004" pitchFamily="2" charset="0"/>
-              </a:rPr>
-              <a:t>Ces notations peuvent être révisées à tout moment et ne sont pas une garantie de solvabilité de l’Émetteur. Elles ne sauraient constituer un argument de souscription au produit.</a:t>
-            </a:r>
-            <a:endParaRPr lang="fr-FR" sz="650" dirty="0">
-              <a:solidFill>
-                <a:schemeClr val="tx2"/>
-              </a:solidFill>
-              <a:latin typeface="Proxima Nova Rg" panose="02000506030000020004" pitchFamily="2" charset="0"/>
-            </a:endParaRPr>
+              <a:t>(3) Morgan Stanley &amp; Co International Plc : Moody’s Aa3 / S&amp;P A+. Notations en vigueur au moment de la rédaction de la présente brochure le &lt;DDR_MAJ&gt;. Ces notations peuvent être révisées à tout moment et ne sont pas une garantie de solvabilité de l’Émetteur. Elles ne sauraient constituer un argument de souscription au produit.</a:t>
+            </a:r>
           </a:p>
         </p:txBody>
       </p:sp>
@@ -2552,43 +2445,25 @@
           <a:p>
             <a:pPr marL="0" lvl="1" algn="just"/>
             <a:r>
-              <a:rPr lang="fr-FR" sz="650" baseline="30000" dirty="0">
+              <a:rPr lang="fr-FR" sz="650" dirty="0">
                 <a:solidFill>
                   <a:schemeClr val="tx2"/>
                 </a:solidFill>
                 <a:latin typeface="+mn-lt"/>
               </a:rPr>
-              <a:t>(1)</a:t>
-            </a:r>
-            <a:r>
-              <a:rPr lang="fr-FR" sz="650" dirty="0">
-                <a:solidFill>
-                  <a:schemeClr val="tx2"/>
-                </a:solidFill>
-                <a:latin typeface="+mn-lt"/>
-              </a:rPr>
-              <a:t> Veuillez vous référer au tableau récapitulant les principales caractéristiques financières en &lt;PAGE&gt; pour le détail des dates. </a:t>
+              <a:t>(1) Veuillez vous référer au tableau récapitulant les principales caractéristiques financières en &lt;PAGE&gt; pour le détail des dates. </a:t>
             </a:r>
           </a:p>
           <a:p>
             <a:pPr marL="0" lvl="1" algn="just"/>
             <a:r>
-              <a:rPr lang="fr-FR" sz="650" baseline="30000" dirty="0">
+              <a:rPr lang="fr-FR" sz="650" dirty="0">
                 <a:solidFill>
                   <a:schemeClr val="tx2"/>
                 </a:solidFill>
                 <a:latin typeface="+mn-lt"/>
               </a:rPr>
-              <a:t>(2)</a:t>
-            </a:r>
-            <a:r>
-              <a:rPr lang="fr-FR" sz="650" dirty="0">
-                <a:solidFill>
-                  <a:schemeClr val="tx2"/>
-                </a:solidFill>
-                <a:latin typeface="+mn-lt"/>
-              </a:rPr>
-              <a:t> En prenant comme hypothèse 1,00% de frais de gestion du contrat d’assurance vie ou de capitalisation. TRA nets hors autres frais, fiscalité et prélèvements sociaux applicables au cadre d’investissement, et hors défaut de paiement et/ou faillite de l’Émetteur et du Garant de la formule et hors mise en résolution du Garant de la formule. Les TRA sont calculés à partir du &lt;2PDC&gt; jusqu’à la date de remboursement anticipé automatique éventuel</a:t>
+              <a:t>(2) En prenant comme hypothèse 1,00% de frais de gestion du contrat d’assurance vie ou de capitalisation. TRA nets hors autres frais, fiscalité et prélèvements sociaux applicables au cadre d’investissement, et hors défaut de paiement et/ou faillite de l’Émetteur et du Garant de la formule et hors mise en résolution du Garant de la formule. Les TRA sont calculés à partir du &lt;2PDC&gt; jusqu’à la date de remboursement anticipé automatique éventuel</a:t>
             </a:r>
             <a:r>
               <a:rPr lang="fr-FR" sz="650" baseline="30000" dirty="0">
@@ -2630,22 +2505,13 @@
           <a:p>
             <a:pPr marL="0" lvl="1" algn="just"/>
             <a:r>
-              <a:rPr lang="fr-FR" sz="650" baseline="30000" dirty="0">
+              <a:rPr lang="fr-FR" sz="650" dirty="0">
                 <a:solidFill>
                   <a:schemeClr val="tx2"/>
                 </a:solidFill>
                 <a:latin typeface="+mn-lt"/>
               </a:rPr>
-              <a:t>(3) </a:t>
-            </a:r>
-            <a:r>
-              <a:rPr lang="fr-FR" sz="650" dirty="0">
-                <a:solidFill>
-                  <a:schemeClr val="tx2"/>
-                </a:solidFill>
-                <a:latin typeface="+mn-lt"/>
-              </a:rPr>
-              <a:t>Hors prise en compte des dividendes éventuels détachés par </a:t>
+              <a:t>(3) Hors prise en compte des dividendes éventuels détachés par </a:t>
             </a:r>
             <a:r>
               <a:rPr lang="it-IT" sz="650" dirty="0">
@@ -3566,9 +3432,6 @@
                 <a:solidFill>
                   <a:srgbClr val="000000"/>
                 </a:solidFill>
-                <a:highlight>
-                  <a:srgbClr val="00FFFF"/>
-                </a:highlight>
               </a:rPr>
               <a:t>&lt;TRA.MP&gt;</a:t>
             </a:r>
@@ -3585,9 +3448,6 @@
                 <a:solidFill>
                   <a:srgbClr val="000000"/>
                 </a:solidFill>
-                <a:highlight>
-                  <a:srgbClr val="00FFFF"/>
-                </a:highlight>
               </a:rPr>
               <a:t>&lt;TRA.D.A&gt;</a:t>
             </a:r>
@@ -3732,9 +3592,6 @@
                 <a:solidFill>
                   <a:srgbClr val="000000"/>
                 </a:solidFill>
-                <a:highlight>
-                  <a:srgbClr val="00FFFF"/>
-                </a:highlight>
                 <a:latin typeface="+mn-lt"/>
               </a:rPr>
               <a:t>&lt;TRA.RM.P&gt;</a:t>
@@ -3768,9 +3625,6 @@
                 <a:solidFill>
                   <a:srgbClr val="000000"/>
                 </a:solidFill>
-                <a:highlight>
-                  <a:srgbClr val="00FFFF"/>
-                </a:highlight>
                 <a:latin typeface="+mn-lt"/>
               </a:rPr>
               <a:t>&lt;TRA.M.SJ&gt;</a:t>
@@ -3969,72 +3823,35 @@
                   <a:srgbClr val="04202E"/>
                 </a:solidFill>
               </a:rPr>
-              <a:t>Ce qui correspond à un Taux de Rendement Annuel net de </a:t>
+              <a:t>Ce qui correspond à un Taux de Rendement Annuel net de &lt;TRA.F.P&gt;</a:t>
+            </a:r>
+            <a:r>
+              <a:rPr lang="fr-FR" sz="800" baseline="30000" dirty="0">
+                <a:solidFill>
+                  <a:srgbClr val="04202E"/>
+                </a:solidFill>
+              </a:rPr>
+              <a:t>(2)</a:t>
             </a:r>
             <a:r>
               <a:rPr lang="fr-FR" sz="800" dirty="0">
                 <a:solidFill>
                   <a:srgbClr val="04202E"/>
                 </a:solidFill>
-                <a:highlight>
-                  <a:srgbClr val="00FFFF"/>
-                </a:highlight>
-              </a:rPr>
-              <a:t>&lt;TRA.F.P&gt;</a:t>
+              </a:rPr>
+              <a:t>, contre un Taux de Rendement Annuel net de </a:t>
+            </a:r>
+            <a:r>
+              <a:rPr lang="fr-FR" sz="800" dirty="0"/>
+              <a:t>&lt;TRA.F.SJ&gt;</a:t>
             </a:r>
             <a:r>
               <a:rPr lang="fr-FR" sz="800" baseline="30000" dirty="0">
                 <a:solidFill>
                   <a:srgbClr val="04202E"/>
                 </a:solidFill>
-                <a:highlight>
-                  <a:srgbClr val="00FFFF"/>
-                </a:highlight>
-              </a:rPr>
-              <a:t>(</a:t>
-            </a:r>
-            <a:r>
-              <a:rPr lang="fr-FR" sz="800" baseline="30000" dirty="0">
-                <a:solidFill>
-                  <a:srgbClr val="04202E"/>
-                </a:solidFill>
-              </a:rPr>
-              <a:t>2)</a:t>
-            </a:r>
-            <a:r>
-              <a:rPr lang="fr-FR" sz="800" dirty="0">
-                <a:solidFill>
-                  <a:srgbClr val="04202E"/>
-                </a:solidFill>
-              </a:rPr>
-              <a:t>, contre un Taux de Rendement Annuel net de </a:t>
-            </a:r>
-            <a:r>
-              <a:rPr lang="fr-FR" sz="800" dirty="0">
-                <a:highlight>
-                  <a:srgbClr val="00FFFF"/>
-                </a:highlight>
-              </a:rPr>
-              <a:t>&lt;TRA.F.SJ&gt;</a:t>
-            </a:r>
-            <a:r>
-              <a:rPr lang="fr-FR" sz="800" baseline="30000" dirty="0">
-                <a:solidFill>
-                  <a:srgbClr val="04202E"/>
-                </a:solidFill>
-                <a:highlight>
-                  <a:srgbClr val="00FFFF"/>
-                </a:highlight>
-              </a:rPr>
-              <a:t>(</a:t>
-            </a:r>
-            <a:r>
-              <a:rPr lang="fr-FR" sz="800" baseline="30000" dirty="0">
-                <a:solidFill>
-                  <a:srgbClr val="04202E"/>
-                </a:solidFill>
-              </a:rPr>
-              <a:t>2)</a:t>
+              </a:rPr>
+              <a:t>(2)</a:t>
             </a:r>
             <a:r>
               <a:rPr lang="fr-FR" sz="800" dirty="0">
@@ -4201,8 +4018,8 @@
         </p:nvSpPr>
         <p:spPr>
           <a:xfrm>
-            <a:off x="5684520" y="9174546"/>
-            <a:ext cx="1646522" cy="215444"/>
+            <a:off x="4914900" y="9206702"/>
+            <a:ext cx="2416142" cy="215444"/>
           </a:xfrm>
           <a:prstGeom prst="rect">
             <a:avLst/>
@@ -4215,6 +4032,7 @@
           </a:bodyPr>
           <a:lstStyle/>
           <a:p>
+            <a:pPr algn="r"/>
             <a:r>
               <a:rPr lang="fr-FR" sz="800" u="sng"/>
               <a:t>Source :</a:t>
@@ -5745,25 +5563,7 @@
                 </a:solidFill>
                 <a:latin typeface="+mn-lt"/>
               </a:rPr>
-              <a:t>L’exactitude, l’exhaustivité ou la pertinence de l’information provenant de sources externes ne sont pas garanties, bien qu’elles aient été obtenues auprès de sources raisonnablement jugées fiables. Sous réserve des lois applicables, </a:t>
-            </a:r>
-            <a:r>
-              <a:rPr lang="en-US" sz="650" dirty="0">
-                <a:solidFill>
-                  <a:schemeClr val="tx2"/>
-                </a:solidFill>
-                <a:latin typeface="+mn-lt"/>
-              </a:rPr>
-              <a:t>BNP Paribas </a:t>
-            </a:r>
-            <a:r>
-              <a:rPr lang="fr-FR" sz="650" dirty="0">
-                <a:solidFill>
-                  <a:schemeClr val="tx2"/>
-                </a:solidFill>
-                <a:latin typeface="+mn-lt"/>
-              </a:rPr>
-              <a:t>n’assume pas de responsabilité à cet égard. Les éléments du présent document relatifs aux données de marchés sont fournis sur la base de données constatées à un moment précis et qui sont susceptibles de varier.</a:t>
+              <a:t>L’exactitude, l’exhaustivité ou la pertinence de l’information provenant de sources externes ne sont pas garanties, bien qu’elles aient été obtenues auprès de sources raisonnablement jugées fiables Sous réserve des lois applicables, Morgan Stanley n’assume pas de responsabilité à cet égard Les éléments du présent document relatifs aux données de marchés sont fournis sur la base de données constatées à un moment précis et qui sont susceptibles de varier</a:t>
             </a:r>
           </a:p>
         </p:txBody>
@@ -6081,8 +5881,8 @@
         </p:nvSpPr>
         <p:spPr>
           <a:xfrm>
-            <a:off x="5417820" y="9174546"/>
-            <a:ext cx="1913222" cy="338554"/>
+            <a:off x="3779394" y="9174546"/>
+            <a:ext cx="3551648" cy="215444"/>
           </a:xfrm>
           <a:prstGeom prst="rect">
             <a:avLst/>
@@ -6095,38 +5895,24 @@
           </a:bodyPr>
           <a:lstStyle/>
           <a:p>
-            <a:r>
-              <a:rPr lang="fr-FR" sz="800" u="sng" dirty="0">
-                <a:highlight>
-                  <a:srgbClr val="FF00FF"/>
-                </a:highlight>
-              </a:rPr>
+            <a:pPr algn="r"/>
+            <a:r>
+              <a:rPr lang="fr-FR" sz="800" u="sng" dirty="0"/>
               <a:t>Source :</a:t>
             </a:r>
             <a:r>
+              <a:rPr lang="fr-FR" sz="800" dirty="0"/>
+              <a:t> Bloomberg, le </a:t>
+            </a:r>
+            <a:r>
               <a:rPr lang="fr-FR" sz="800" dirty="0">
-                <a:highlight>
-                  <a:srgbClr val="FF00FF"/>
-                </a:highlight>
-              </a:rPr>
-              <a:t> Bloomberg, le </a:t>
-            </a:r>
-            <a:r>
-              <a:rPr lang="fr-FR" sz="800" dirty="0">
                 <a:solidFill>
                   <a:schemeClr val="tx2"/>
                 </a:solidFill>
-                <a:highlight>
-                  <a:srgbClr val="FF00FF"/>
-                </a:highlight>
               </a:rPr>
               <a:t>&lt;DDR1_MAJ_MIN&gt; </a:t>
             </a:r>
-            <a:endParaRPr lang="fr-FR" sz="800" dirty="0">
-              <a:highlight>
-                <a:srgbClr val="FF00FF"/>
-              </a:highlight>
-            </a:endParaRPr>
+            <a:endParaRPr lang="fr-FR" sz="800" dirty="0"/>
           </a:p>
         </p:txBody>
       </p:sp>
@@ -6256,43 +6042,6 @@
       </p:sp>
       <p:sp>
         <p:nvSpPr>
-          <p:cNvPr id="25" name="ZoneTexte 24">
-            <a:extLst>
-              <a:ext uri="{FF2B5EF4-FFF2-40B4-BE49-F238E27FC236}">
-                <a16:creationId xmlns:a16="http://schemas.microsoft.com/office/drawing/2014/main" id="{DD098B59-7A37-078A-BC1C-61CE3BED2F4E}"/>
-              </a:ext>
-            </a:extLst>
-          </p:cNvPr>
-          <p:cNvSpPr txBox="1"/>
-          <p:nvPr/>
-        </p:nvSpPr>
-        <p:spPr>
-          <a:xfrm>
-            <a:off x="458462" y="8984476"/>
-            <a:ext cx="4056888" cy="215444"/>
-          </a:xfrm>
-          <a:prstGeom prst="rect">
-            <a:avLst/>
-          </a:prstGeom>
-          <a:noFill/>
-        </p:spPr>
-        <p:txBody>
-          <a:bodyPr wrap="square">
-            <a:spAutoFit/>
-          </a:bodyPr>
-          <a:lstStyle/>
-          <a:p>
-            <a:r>
-              <a:rPr lang="en-US" sz="800" dirty="0">
-                <a:latin typeface="Futura PT" panose="020B0902020204020203" pitchFamily="34" charset="0"/>
-              </a:rPr>
-              <a:t>&lt;ticker&gt;</a:t>
-            </a:r>
-          </a:p>
-        </p:txBody>
-      </p:sp>
-      <p:sp>
-        <p:nvSpPr>
           <p:cNvPr id="26" name="ZoneTexte 25">
             <a:extLst>
               <a:ext uri="{FF2B5EF4-FFF2-40B4-BE49-F238E27FC236}">
@@ -6305,8 +6054,8 @@
         </p:nvSpPr>
         <p:spPr>
           <a:xfrm>
-            <a:off x="5309473" y="7911729"/>
-            <a:ext cx="1913222" cy="338554"/>
+            <a:off x="3671047" y="7911729"/>
+            <a:ext cx="3551648" cy="215444"/>
           </a:xfrm>
           <a:prstGeom prst="rect">
             <a:avLst/>
@@ -6319,38 +6068,24 @@
           </a:bodyPr>
           <a:lstStyle/>
           <a:p>
-            <a:r>
-              <a:rPr lang="fr-FR" sz="800" u="sng" dirty="0">
-                <a:highlight>
-                  <a:srgbClr val="FF00FF"/>
-                </a:highlight>
-              </a:rPr>
+            <a:pPr algn="r"/>
+            <a:r>
+              <a:rPr lang="fr-FR" sz="800" u="sng" dirty="0"/>
               <a:t>Source :</a:t>
             </a:r>
             <a:r>
+              <a:rPr lang="fr-FR" sz="800" dirty="0"/>
+              <a:t> Bloomberg, le </a:t>
+            </a:r>
+            <a:r>
               <a:rPr lang="fr-FR" sz="800" dirty="0">
-                <a:highlight>
-                  <a:srgbClr val="FF00FF"/>
-                </a:highlight>
-              </a:rPr>
-              <a:t> Bloomberg, le </a:t>
-            </a:r>
-            <a:r>
-              <a:rPr lang="fr-FR" sz="800" dirty="0">
                 <a:solidFill>
                   <a:schemeClr val="tx2"/>
                 </a:solidFill>
-                <a:highlight>
-                  <a:srgbClr val="FF00FF"/>
-                </a:highlight>
               </a:rPr>
               <a:t>&lt;DDR1_MAJ_MIN&gt; </a:t>
             </a:r>
-            <a:endParaRPr lang="fr-FR" sz="800" dirty="0">
-              <a:highlight>
-                <a:srgbClr val="FF00FF"/>
-              </a:highlight>
-            </a:endParaRPr>
+            <a:endParaRPr lang="fr-FR" sz="800" dirty="0"/>
           </a:p>
         </p:txBody>
       </p:sp>
@@ -6452,22 +6187,12 @@
           <a:p>
             <a:pPr lvl="0" algn="just" defTabSz="914400"/>
             <a:r>
-              <a:rPr lang="fr-FR" sz="700" baseline="30000" dirty="0">
+              <a:rPr lang="fr-FR" sz="700" dirty="0">
                 <a:solidFill>
                   <a:srgbClr val="000000"/>
                 </a:solidFill>
-                <a:latin typeface="Proxima Nova Rg" panose="02000506030000020004" pitchFamily="2" charset="0"/>
-              </a:rPr>
-              <a:t>(1) </a:t>
-            </a:r>
-            <a:r>
-              <a:rPr lang="fr-FR" sz="700" dirty="0">
-                <a:solidFill>
-                  <a:srgbClr val="000000"/>
-                </a:solidFill>
-                <a:latin typeface="Proxima Nova Rg" panose="02000506030000020004" pitchFamily="2" charset="0"/>
-              </a:rPr>
-              <a:t>Morgan Stanley &amp; Co International Plc : Moody’s Aa3 / S&amp;P A+. Notations en vigueur au moment de la rédaction de la présente brochure le </a:t>
+              </a:rPr>
+              <a:t>(1) Morgan Stanley &amp; Co International Plc : Moody’s Aa3 / S&amp;P A+. Notations en vigueur au moment de la rédaction de la présente brochure le </a:t>
             </a:r>
             <a:r>
               <a:rPr lang="fr-FR" sz="650" dirty="0"/>
@@ -6478,7 +6203,6 @@
                 <a:solidFill>
                   <a:srgbClr val="000000"/>
                 </a:solidFill>
-                <a:latin typeface="Proxima Nova Rg" panose="02000506030000020004" pitchFamily="2" charset="0"/>
               </a:rPr>
               <a:t>&gt;, qui ne sauraient ni être une garantie de solvabilité de l’Émetteur et du Garant de la formule, ni constituer un argument de souscription au produit. Les agences de notation peuvent les modifier à tout moment. </a:t>
             </a:r>
@@ -6486,26 +6210,14 @@
           <a:p>
             <a:pPr lvl="0" algn="just" defTabSz="914400"/>
             <a:r>
-              <a:rPr lang="fr-FR" sz="700" baseline="30000" dirty="0">
+              <a:rPr lang="fr-FR" sz="700" dirty="0">
                 <a:solidFill>
                   <a:srgbClr val="000000"/>
                 </a:solidFill>
-                <a:latin typeface="Proxima Nova Rg" panose="02000506030000020004" pitchFamily="2" charset="0"/>
-              </a:rPr>
-              <a:t>(2) </a:t>
-            </a:r>
-            <a:r>
-              <a:rPr lang="fr-FR" sz="700" dirty="0">
-                <a:solidFill>
-                  <a:srgbClr val="000000"/>
-                </a:solidFill>
-                <a:latin typeface="Proxima Nova Rg" panose="02000506030000020004" pitchFamily="2" charset="0"/>
-              </a:rPr>
-              <a:t>Les conflits d’intérêts seront gérés suivant la réglementation en vigueur.</a:t>
-            </a:r>
-            <a:endParaRPr lang="fr-FR" sz="650" i="1" dirty="0">
-              <a:latin typeface="Proxima Nova Rg" panose="02000506030000020004" pitchFamily="2" charset="0"/>
-            </a:endParaRPr>
+              </a:rPr>
+              <a:t>(2) Les conflits d’intérêts seront gérés suivant la réglementation en vigueur.</a:t>
+            </a:r>
+            <a:endParaRPr lang="fr-FR" sz="650" i="1" dirty="0"/>
           </a:p>
         </p:txBody>
       </p:sp>
@@ -6524,7 +6236,7 @@
           <p:nvPr>
             <p:extLst>
               <p:ext uri="{D42A27DB-BD31-4B8C-83A1-F6EECF244321}">
-                <p14:modId xmlns:p14="http://schemas.microsoft.com/office/powerpoint/2010/main" val="1831764276"/>
+                <p14:modId xmlns:p14="http://schemas.microsoft.com/office/powerpoint/2010/main" val="3648479794"/>
               </p:ext>
             </p:extLst>
           </p:nvPr>
@@ -7999,7 +7711,7 @@
                         <a:defRPr/>
                       </a:pPr>
                       <a:r>
-                        <a:rPr lang="fr-FR" sz="700" b="1" kern="1200">
+                        <a:rPr lang="fr-FR" sz="700" b="1" kern="1200" dirty="0">
                           <a:solidFill>
                             <a:srgbClr val="B9A049"/>
                           </a:solidFill>
@@ -8183,7 +7895,7 @@
                         <a:defRPr/>
                       </a:pPr>
                       <a:r>
-                        <a:rPr lang="fr-FR" sz="700" b="1" kern="1200">
+                        <a:rPr lang="fr-FR" sz="700" b="1" kern="1200" dirty="0">
                           <a:solidFill>
                             <a:srgbClr val="B9A049"/>
                           </a:solidFill>
@@ -8584,7 +8296,7 @@
                         <a:defRPr/>
                       </a:pPr>
                       <a:r>
-                        <a:rPr lang="fr-FR" sz="700" b="1" kern="1200">
+                        <a:rPr lang="fr-FR" sz="700" b="1" kern="1200" dirty="0">
                           <a:solidFill>
                             <a:srgbClr val="B9A049"/>
                           </a:solidFill>
@@ -8968,9 +8680,6 @@
                           <a:solidFill>
                             <a:srgbClr val="B9A049"/>
                           </a:solidFill>
-                          <a:highlight>
-                            <a:srgbClr val="FFFF00"/>
-                          </a:highlight>
                           <a:latin typeface="+mn-lt"/>
                           <a:ea typeface="+mn-ea"/>
                           <a:cs typeface="+mn-cs"/>
@@ -9614,40 +9323,34 @@
                           <a:solidFill>
                             <a:schemeClr val="tx1"/>
                           </a:solidFill>
-                          <a:highlight>
-                            <a:srgbClr val="00FFFF"/>
-                          </a:highlight>
                           <a:latin typeface="+mn-lt"/>
                           <a:ea typeface="+mn-ea"/>
                           <a:cs typeface="+mn-cs"/>
                         </a:rPr>
-                        <a:t>&lt;Datesconstatations1</a:t>
+                        <a:t>&lt;</a:t>
                       </a:r>
                       <a:r>
-                        <a:rPr lang="fr-FR" sz="700" b="0" i="0" kern="1200">
+                        <a:rPr lang="fr-FR" sz="700" b="0" i="0" kern="1200" dirty="0" err="1">
                           <a:solidFill>
                             <a:schemeClr val="tx1"/>
                           </a:solidFill>
-                          <a:highlight>
-                            <a:srgbClr val="00FFFF"/>
-                          </a:highlight>
                           <a:latin typeface="+mn-lt"/>
                           <a:ea typeface="+mn-ea"/>
                           <a:cs typeface="+mn-cs"/>
                         </a:rPr>
-                        <a:t>&gt;(finale).</a:t>
+                        <a:t>dates_constat_autocall</a:t>
                       </a:r>
-                      <a:endParaRPr lang="fr-FR" sz="700" b="0" i="0" kern="1200" dirty="0">
-                        <a:solidFill>
-                          <a:schemeClr val="tx1"/>
-                        </a:solidFill>
-                        <a:highlight>
-                          <a:srgbClr val="00FFFF"/>
-                        </a:highlight>
-                        <a:latin typeface="+mn-lt"/>
-                        <a:ea typeface="+mn-ea"/>
-                        <a:cs typeface="+mn-cs"/>
-                      </a:endParaRPr>
+                      <a:r>
+                        <a:rPr lang="fr-FR" sz="700" b="0" i="0" kern="1200" dirty="0">
+                          <a:solidFill>
+                            <a:schemeClr val="tx1"/>
+                          </a:solidFill>
+                          <a:latin typeface="+mn-lt"/>
+                          <a:ea typeface="+mn-ea"/>
+                          <a:cs typeface="+mn-cs"/>
+                        </a:rPr>
+                        <a:t>&gt;</a:t>
+                      </a:r>
                     </a:p>
                   </a:txBody>
                   <a:tcPr marL="72000" marR="72000" marT="46800" marB="46800" anchor="ctr" horzOverflow="overflow">
@@ -9827,14 +9530,33 @@
                           <a:solidFill>
                             <a:schemeClr val="tx1"/>
                           </a:solidFill>
-                          <a:highlight>
-                            <a:srgbClr val="00FFFF"/>
-                          </a:highlight>
                           <a:latin typeface="+mn-lt"/>
                           <a:ea typeface="+mn-ea"/>
                           <a:cs typeface="+mn-cs"/>
                         </a:rPr>
-                        <a:t>&lt;Datesremb1&gt;</a:t>
+                        <a:t>&lt;</a:t>
+                      </a:r>
+                      <a:r>
+                        <a:rPr lang="fr-FR" sz="700" b="0" i="0" kern="1200" baseline="0" dirty="0" err="1">
+                          <a:solidFill>
+                            <a:schemeClr val="tx1"/>
+                          </a:solidFill>
+                          <a:latin typeface="+mn-lt"/>
+                          <a:ea typeface="+mn-ea"/>
+                          <a:cs typeface="+mn-cs"/>
+                        </a:rPr>
+                        <a:t>dates_paiement_autocall</a:t>
+                      </a:r>
+                      <a:r>
+                        <a:rPr lang="fr-FR" sz="700" b="0" i="0" kern="1200" baseline="0" dirty="0">
+                          <a:solidFill>
+                            <a:schemeClr val="tx1"/>
+                          </a:solidFill>
+                          <a:latin typeface="+mn-lt"/>
+                          <a:ea typeface="+mn-ea"/>
+                          <a:cs typeface="+mn-cs"/>
+                        </a:rPr>
+                        <a:t>&gt;</a:t>
                       </a:r>
                     </a:p>
                   </a:txBody>
@@ -10019,7 +9741,7 @@
                           <a:ea typeface="+mn-ea"/>
                           <a:cs typeface="+mn-cs"/>
                         </a:rPr>
-                        <a:t>&lt;BAC&gt; du &lt;NDR&gt; &lt;SJR7&gt;</a:t>
+                        <a:t>&lt;BRA&gt;</a:t>
                       </a:r>
                     </a:p>
                   </a:txBody>
@@ -10204,7 +9926,7 @@
                           <a:ea typeface="+mn-ea"/>
                           <a:cs typeface="+mn-cs"/>
                         </a:rPr>
-                        <a:t>&lt;SV&gt; du &lt;NDR&gt; &lt;SJR7&gt;</a:t>
+                        <a:t>&lt;BVC&gt;</a:t>
                       </a:r>
                     </a:p>
                   </a:txBody>
@@ -13088,7 +12810,7 @@
         </p:nvSpPr>
         <p:spPr bwMode="auto">
           <a:xfrm>
-            <a:off x="359837" y="10144332"/>
+            <a:off x="359837" y="10087182"/>
             <a:ext cx="6483350" cy="430887"/>
           </a:xfrm>
           <a:prstGeom prst="rect">
@@ -13110,20 +12832,12 @@
           <a:p>
             <a:pPr lvl="0" algn="just" defTabSz="914400"/>
             <a:r>
-              <a:rPr lang="fr-FR" sz="700" baseline="30000" dirty="0">
+              <a:rPr lang="fr-FR" sz="700" dirty="0">
                 <a:solidFill>
                   <a:srgbClr val="000000"/>
                 </a:solidFill>
               </a:rPr>
-              <a:t>(1) </a:t>
-            </a:r>
-            <a:r>
-              <a:rPr lang="fr-FR" sz="700" dirty="0">
-                <a:solidFill>
-                  <a:srgbClr val="000000"/>
-                </a:solidFill>
-              </a:rPr>
-              <a:t>Morgan Stanley &amp; Co International Plc : Moody’s Aa3 / S&amp;P A+. Notations en vigueur au moment de la rédaction de la présente brochure le </a:t>
+              <a:t>(1) Morgan Stanley &amp; Co International Plc : Moody’s Aa3 / S&amp;P A+. Notations en vigueur au moment de la rédaction de la présente brochure le </a:t>
             </a:r>
             <a:r>
               <a:rPr lang="fr-FR" sz="700" dirty="0"/>
@@ -13141,20 +12855,12 @@
           <a:p>
             <a:pPr lvl="0" algn="just" defTabSz="914400"/>
             <a:r>
-              <a:rPr lang="fr-FR" sz="700" baseline="30000" dirty="0">
+              <a:rPr lang="fr-FR" sz="700" dirty="0">
                 <a:solidFill>
                   <a:srgbClr val="000000"/>
                 </a:solidFill>
               </a:rPr>
-              <a:t>(2) </a:t>
-            </a:r>
-            <a:r>
-              <a:rPr lang="fr-FR" sz="700" dirty="0">
-                <a:solidFill>
-                  <a:srgbClr val="000000"/>
-                </a:solidFill>
-              </a:rPr>
-              <a:t>Les conflits d’intérêts seront gérés suivant la réglementation en vigueur.</a:t>
+              <a:t>(2) Les conflits d’intérêts seront gérés suivant la réglementation en vigueur.</a:t>
             </a:r>
             <a:endParaRPr lang="fr-FR" sz="700" i="1" dirty="0"/>
           </a:p>
@@ -13428,7 +13134,7 @@
           <p:nvPr>
             <p:extLst>
               <p:ext uri="{D42A27DB-BD31-4B8C-83A1-F6EECF244321}">
-                <p14:modId xmlns:p14="http://schemas.microsoft.com/office/powerpoint/2010/main" val="2181228713"/>
+                <p14:modId xmlns:p14="http://schemas.microsoft.com/office/powerpoint/2010/main" val="1670110750"/>
               </p:ext>
             </p:extLst>
           </p:nvPr>
@@ -16201,7 +15907,7 @@
                         <a:defRPr/>
                       </a:pPr>
                       <a:r>
-                        <a:rPr lang="fr-FR" sz="700" b="1" kern="1200">
+                        <a:rPr lang="fr-FR" sz="700" b="1" kern="1200" dirty="0">
                           <a:solidFill>
                             <a:srgbClr val="B9A049"/>
                           </a:solidFill>
@@ -16209,7 +15915,7 @@
                           <a:ea typeface="+mn-ea"/>
                           <a:cs typeface="+mn-cs"/>
                         </a:rPr>
-                        <a:t>&lt;NDR&gt;</a:t>
+                        <a:t>DATE DE CONSTATATION INITIALE</a:t>
                       </a:r>
                     </a:p>
                   </a:txBody>
@@ -16386,7 +16092,7 @@
                         <a:defRPr/>
                       </a:pPr>
                       <a:r>
-                        <a:rPr lang="fr-FR" sz="700" b="1" kern="1200">
+                        <a:rPr lang="fr-FR" sz="700" b="1" kern="1200" dirty="0">
                           <a:solidFill>
                             <a:srgbClr val="B9A049"/>
                           </a:solidFill>
@@ -16848,14 +16554,33 @@
                           <a:solidFill>
                             <a:schemeClr val="tx1"/>
                           </a:solidFill>
-                          <a:highlight>
-                            <a:srgbClr val="00FFFF"/>
-                          </a:highlight>
                           <a:latin typeface="+mn-lt"/>
                           <a:ea typeface="+mn-ea"/>
                           <a:cs typeface="+mn-cs"/>
                         </a:rPr>
-                        <a:t>&lt;Datesconstatations3&gt;</a:t>
+                        <a:t>&lt;</a:t>
+                      </a:r>
+                      <a:r>
+                        <a:rPr lang="fr-FR" sz="700" b="0" i="0" kern="1200" dirty="0" err="1">
+                          <a:solidFill>
+                            <a:schemeClr val="tx1"/>
+                          </a:solidFill>
+                          <a:latin typeface="+mn-lt"/>
+                          <a:ea typeface="+mn-ea"/>
+                          <a:cs typeface="+mn-cs"/>
+                        </a:rPr>
+                        <a:t>dates_constat_phoenix</a:t>
+                      </a:r>
+                      <a:r>
+                        <a:rPr lang="fr-FR" sz="700" b="0" i="0" kern="1200" dirty="0">
+                          <a:solidFill>
+                            <a:schemeClr val="tx1"/>
+                          </a:solidFill>
+                          <a:latin typeface="+mn-lt"/>
+                          <a:ea typeface="+mn-ea"/>
+                          <a:cs typeface="+mn-cs"/>
+                        </a:rPr>
+                        <a:t>&gt;</a:t>
                       </a:r>
                     </a:p>
                   </a:txBody>
@@ -17036,14 +16761,33 @@
                           <a:solidFill>
                             <a:schemeClr val="tx1"/>
                           </a:solidFill>
-                          <a:highlight>
-                            <a:srgbClr val="00FFFF"/>
-                          </a:highlight>
                           <a:latin typeface="+mn-lt"/>
                           <a:ea typeface="+mn-ea"/>
                           <a:cs typeface="+mn-cs"/>
                         </a:rPr>
-                        <a:t>&lt;Datespaiement1&gt;</a:t>
+                        <a:t>&lt;</a:t>
+                      </a:r>
+                      <a:r>
+                        <a:rPr lang="fr-FR" sz="700" b="0" i="0" kern="1200" dirty="0" err="1">
+                          <a:solidFill>
+                            <a:schemeClr val="tx1"/>
+                          </a:solidFill>
+                          <a:latin typeface="+mn-lt"/>
+                          <a:ea typeface="+mn-ea"/>
+                          <a:cs typeface="+mn-cs"/>
+                        </a:rPr>
+                        <a:t>dates_paiement_phoenix</a:t>
+                      </a:r>
+                      <a:r>
+                        <a:rPr lang="fr-FR" sz="700" b="0" i="0" kern="1200" dirty="0">
+                          <a:solidFill>
+                            <a:schemeClr val="tx1"/>
+                          </a:solidFill>
+                          <a:latin typeface="+mn-lt"/>
+                          <a:ea typeface="+mn-ea"/>
+                          <a:cs typeface="+mn-cs"/>
+                        </a:rPr>
+                        <a:t>&gt;</a:t>
                       </a:r>
                     </a:p>
                   </a:txBody>
@@ -17224,14 +16968,33 @@
                           <a:solidFill>
                             <a:schemeClr val="tx1"/>
                           </a:solidFill>
-                          <a:highlight>
-                            <a:srgbClr val="00FFFF"/>
-                          </a:highlight>
                           <a:latin typeface="+mn-lt"/>
                           <a:ea typeface="+mn-ea"/>
                           <a:cs typeface="+mn-cs"/>
                         </a:rPr>
-                        <a:t>&lt;Datesremb1&gt;</a:t>
+                        <a:t>&lt;</a:t>
+                      </a:r>
+                      <a:r>
+                        <a:rPr lang="fr-FR" sz="700" b="0" i="0" kern="1200" dirty="0" err="1">
+                          <a:solidFill>
+                            <a:schemeClr val="tx1"/>
+                          </a:solidFill>
+                          <a:latin typeface="+mn-lt"/>
+                          <a:ea typeface="+mn-ea"/>
+                          <a:cs typeface="+mn-cs"/>
+                        </a:rPr>
+                        <a:t>dates_last_remboursement_rappel</a:t>
+                      </a:r>
+                      <a:r>
+                        <a:rPr lang="fr-FR" sz="700" b="0" i="0" kern="1200" dirty="0">
+                          <a:solidFill>
+                            <a:schemeClr val="tx1"/>
+                          </a:solidFill>
+                          <a:latin typeface="+mn-lt"/>
+                          <a:ea typeface="+mn-ea"/>
+                          <a:cs typeface="+mn-cs"/>
+                        </a:rPr>
+                        <a:t>&gt;</a:t>
                       </a:r>
                     </a:p>
                   </a:txBody>
@@ -17416,7 +17179,7 @@
                           <a:ea typeface="+mn-ea"/>
                           <a:cs typeface="+mn-cs"/>
                         </a:rPr>
-                        <a:t>&lt;BAC&gt; du &lt;NDR&gt; &lt;SJR7&gt;</a:t>
+                        <a:t>&lt;BRA&gt;</a:t>
                       </a:r>
                     </a:p>
                   </a:txBody>
@@ -17593,7 +17356,7 @@
                         <a:defRPr/>
                       </a:pPr>
                       <a:r>
-                        <a:rPr lang="fr-FR" sz="700" b="0" i="0" kern="1200">
+                        <a:rPr lang="fr-FR" sz="700" b="0" i="0" kern="1200" dirty="0">
                           <a:solidFill>
                             <a:schemeClr val="tx1"/>
                           </a:solidFill>
@@ -17601,7 +17364,7 @@
                           <a:ea typeface="+mn-ea"/>
                           <a:cs typeface="+mn-cs"/>
                         </a:rPr>
-                        <a:t>&lt;BCPN&gt;% du &lt;NDR&gt; &lt;SJR7&gt;</a:t>
+                        <a:t>&lt;BVC&gt;</a:t>
                       </a:r>
                     </a:p>
                   </a:txBody>
@@ -20343,7 +20106,7 @@
         </p:nvSpPr>
         <p:spPr bwMode="auto">
           <a:xfrm>
-            <a:off x="361950" y="9765983"/>
+            <a:off x="287288" y="9754456"/>
             <a:ext cx="6483350" cy="700192"/>
           </a:xfrm>
           <a:prstGeom prst="rect">
@@ -20365,34 +20128,34 @@
           <a:p>
             <a:pPr algn="just"/>
             <a:r>
-              <a:rPr lang="fr-FR" sz="650" baseline="30000" dirty="0">
+              <a:rPr lang="fr-FR" sz="650" dirty="0">
                 <a:solidFill>
                   <a:srgbClr val="000000"/>
                 </a:solidFill>
                 <a:latin typeface="Proxima Nova Rg" panose="02000506030000020004" pitchFamily="2" charset="0"/>
               </a:rPr>
-              <a:t>(1) </a:t>
-            </a:r>
-            <a:r>
-              <a:rPr lang="fr-FR" sz="650" dirty="0">
-                <a:solidFill>
-                  <a:srgbClr val="000000"/>
-                </a:solidFill>
-                <a:latin typeface="Proxima Nova Rg" panose="02000506030000020004" pitchFamily="2" charset="0"/>
-              </a:rPr>
-              <a:t>Veuillez vous référer au tableau récapitulant les principales caractéristiques financières en &lt;PAGE&gt; pour le détail des dates. </a:t>
+              <a:t>(1) Veuillez vous référer au tableau récapitulant les principales caractéristiques financières en &lt;PAGE&gt; pour le détail des dates. </a:t>
             </a:r>
           </a:p>
           <a:p>
             <a:pPr algn="just"/>
             <a:r>
+              <a:rPr lang="fr-FR" sz="650" dirty="0">
+                <a:solidFill>
+                  <a:srgbClr val="000000"/>
+                </a:solidFill>
+                <a:latin typeface="Proxima Nova Rg" panose="02000506030000020004" pitchFamily="2" charset="0"/>
+              </a:rPr>
+              <a:t>(2) En prenant comme hypothèse 1,00% de frais de gestion du contrat d’assurance vie ou de capitalisation. TRA nets hors autres frais, fiscalité et prélèvements sociaux applicables au cadre d’investissement, et hors défaut de paiement et/ou faillite de l’Émetteur et du Garant de la formule et hors mise en résolution du Garant de la formule. Les TRA sont calculés à partir du &lt;2PDC_MAJ&gt; jusqu’à la date de remboursement anticipé automatique éventuel</a:t>
+            </a:r>
+            <a:r>
               <a:rPr lang="fr-FR" sz="650" baseline="30000" dirty="0">
                 <a:solidFill>
                   <a:srgbClr val="000000"/>
                 </a:solidFill>
                 <a:latin typeface="Proxima Nova Rg" panose="02000506030000020004" pitchFamily="2" charset="0"/>
               </a:rPr>
-              <a:t>(2)</a:t>
+              <a:t>(1) </a:t>
             </a:r>
             <a:r>
               <a:rPr lang="fr-FR" sz="650" dirty="0">
@@ -20401,25 +20164,7 @@
                 </a:solidFill>
                 <a:latin typeface="Proxima Nova Rg" panose="02000506030000020004" pitchFamily="2" charset="0"/>
               </a:rPr>
-              <a:t> En prenant comme hypothèse 1,00% de frais de gestion du contrat d’assurance vie ou de capitalisation. TRA nets hors autres frais, fiscalité et prélèvements sociaux applicables au cadre d’investissement, et hors défaut de paiement et/ou faillite de l’Émetteur et du Garant de la formule et hors mise en résolution du Garant de la formule. Les TRA sont calculés à partir du &lt;2PDC_MAJ&gt; jusqu’à la date de remboursement anticipé automatique éventuel</a:t>
-            </a:r>
-            <a:r>
-              <a:rPr lang="fr-FR" sz="650" baseline="30000" dirty="0">
-                <a:solidFill>
-                  <a:srgbClr val="000000"/>
-                </a:solidFill>
-                <a:latin typeface="Proxima Nova Rg" panose="02000506030000020004" pitchFamily="2" charset="0"/>
-              </a:rPr>
-              <a:t>(1)</a:t>
-            </a:r>
-            <a:r>
-              <a:rPr lang="fr-FR" sz="650" dirty="0">
-                <a:solidFill>
-                  <a:srgbClr val="000000"/>
-                </a:solidFill>
-                <a:latin typeface="Proxima Nova Rg" panose="02000506030000020004" pitchFamily="2" charset="0"/>
-              </a:rPr>
-              <a:t> ou d’échéance</a:t>
+              <a:t>ou d’échéance</a:t>
             </a:r>
             <a:r>
               <a:rPr lang="fr-FR" sz="650" baseline="30000" dirty="0">
@@ -20443,34 +20188,13 @@
           <a:p>
             <a:pPr algn="just"/>
             <a:r>
-              <a:rPr lang="fr-FR" sz="650" baseline="30000">
+              <a:rPr lang="fr-FR" sz="650" dirty="0">
                 <a:solidFill>
                   <a:srgbClr val="000000"/>
                 </a:solidFill>
-                <a:highlight>
-                  <a:srgbClr val="FF00FF"/>
-                </a:highlight>
                 <a:latin typeface="Proxima Nova Rg" panose="02000506030000020004" pitchFamily="2" charset="0"/>
               </a:rPr>
-              <a:t>(</a:t>
-            </a:r>
-            <a:r>
-              <a:rPr lang="fr-FR" sz="650" baseline="30000">
-                <a:solidFill>
-                  <a:srgbClr val="000000"/>
-                </a:solidFill>
-                <a:latin typeface="Proxima Nova Rg" panose="02000506030000020004" pitchFamily="2" charset="0"/>
-              </a:rPr>
-              <a:t>3) </a:t>
-            </a:r>
-            <a:r>
-              <a:rPr lang="fr-FR" sz="650">
-                <a:solidFill>
-                  <a:srgbClr val="000000"/>
-                </a:solidFill>
-                <a:latin typeface="Proxima Nova Rg" panose="02000506030000020004" pitchFamily="2" charset="0"/>
-              </a:rPr>
-              <a:t> Veuillez vous référer à la section dédiée en page 3 pour une présentation de la détermination du &lt;NDR&gt;</a:t>
+              <a:t>(3)  Veuillez vous référer à la section dédiée en page 3 pour une présentation de la détermination du &lt;NDR&gt;</a:t>
             </a:r>
           </a:p>
         </p:txBody>
@@ -21004,7 +20728,7 @@
         <p:spPr>
           <a:xfrm>
             <a:off x="458462" y="974579"/>
-            <a:ext cx="6741374" cy="3300391"/>
+            <a:ext cx="6741374" cy="3078792"/>
           </a:xfrm>
           <a:prstGeom prst="rect">
             <a:avLst/>
@@ -21338,7 +21062,7 @@
                 <a:ea typeface="+mn-ea"/>
                 <a:cs typeface="+mn-cs"/>
               </a:rPr>
-              <a:t>De plus l’investisseur peut subir une perte en capital partielle ou totale. Les avantages du titre de créance profitent aux seuls investisseurs qui conservent l’instrument financier jusqu’à son échéance effective. </a:t>
+              <a:t>De plus l’investisseur peut subir une perte en capital partielle ou totale. </a:t>
             </a:r>
             <a:endParaRPr kumimoji="0" lang="fr-FR" sz="800" b="0" i="0" u="none" strike="noStrike" kern="1200" cap="none" spc="0" normalizeH="0" baseline="0" noProof="0" dirty="0">
               <a:ln>
@@ -21388,7 +21112,33 @@
                 <a:ea typeface="+mn-ea"/>
                 <a:cs typeface="+mn-cs"/>
               </a:rPr>
-              <a:t>Pour un investissement dans « &lt;NOM&gt; », vous êtes exposé pour une durée de &lt;1PR&gt; à &lt;DPRR&gt; &lt;F0&gt;&lt;F0s&gt; à la performance positive ou négative &lt;SJR6&gt;</a:t>
+              <a:t>Pour un investissement dans « &lt;NOM&gt; », vous êtes exposé pour une durée </a:t>
+            </a:r>
+            <a:r>
+              <a:rPr lang="fr-FR" sz="800" b="1" dirty="0">
+                <a:solidFill>
+                  <a:schemeClr val="tx1"/>
+                </a:solidFill>
+                <a:latin typeface="Proxima Nova Rg"/>
+              </a:rPr>
+              <a:t>&lt;DUREE&gt; </a:t>
+            </a:r>
+            <a:r>
+              <a:rPr kumimoji="0" lang="fr-FR" sz="800" b="1" i="0" u="none" strike="noStrike" kern="1200" cap="none" spc="0" normalizeH="0" baseline="0" noProof="0" dirty="0">
+                <a:ln>
+                  <a:noFill/>
+                </a:ln>
+                <a:solidFill>
+                  <a:schemeClr val="tx1"/>
+                </a:solidFill>
+                <a:effectLst/>
+                <a:uLnTx/>
+                <a:uFillTx/>
+                <a:latin typeface="Proxima Nova Rg"/>
+                <a:ea typeface="+mn-ea"/>
+                <a:cs typeface="+mn-cs"/>
+              </a:rPr>
+              <a:t>à l’évolution &lt;SJR6&gt;</a:t>
             </a:r>
             <a:r>
               <a:rPr lang="fr-FR" sz="800" b="1" dirty="0">
@@ -21730,7 +21480,7 @@
                 <a:ea typeface="+mn-ea"/>
                 <a:cs typeface="+mn-cs"/>
               </a:rPr>
-              <a:t>avec un objectif de gain fixe plafonné à &lt;CPN&gt; par &lt;F0&gt; &lt;F2&gt; depuis le &lt;DDCI&gt; (soit &lt;GCA&gt; par année écoulée) </a:t>
+              <a:t>avec un objectif de gain fixe plafonné à &lt;CPN&gt; &lt;environ&gt; par &lt;F0&gt; &lt;F2&gt; depuis le &lt;DDCI&gt;&lt;exclus&gt; &lt;ANNUALISE&gt; </a:t>
             </a:r>
             <a:r>
               <a:rPr kumimoji="0" lang="fr-FR" sz="800" b="0" i="0" u="none" strike="noStrike" kern="1200" cap="none" spc="0" normalizeH="0" baseline="0" noProof="0" dirty="0">
@@ -21800,38 +21550,7 @@
                 <a:ea typeface="+mn-ea"/>
                 <a:cs typeface="+mn-cs"/>
               </a:rPr>
-              <a:t>ou égal à </a:t>
-            </a:r>
-            <a:r>
-              <a:rPr kumimoji="0" lang="fr-FR" sz="800" b="0" i="0" u="none" strike="noStrike" kern="1200" cap="none" spc="0" normalizeH="0" baseline="0" noProof="0" dirty="0">
-                <a:ln>
-                  <a:noFill/>
-                </a:ln>
-                <a:effectLst/>
-                <a:highlight>
-                  <a:srgbClr val="FFFF00"/>
-                </a:highlight>
-                <a:uLnTx/>
-                <a:uFillTx/>
-                <a:latin typeface="Proxima Nova Rg"/>
-                <a:ea typeface="+mn-ea"/>
-                <a:cs typeface="+mn-cs"/>
-              </a:rPr>
-              <a:t>&lt;BCPN&gt; </a:t>
-            </a:r>
-            <a:r>
-              <a:rPr kumimoji="0" lang="fr-FR" sz="800" b="0" i="0" u="none" strike="noStrike" kern="1200" cap="none" spc="0" normalizeH="0" baseline="0" noProof="0" dirty="0">
-                <a:ln>
-                  <a:noFill/>
-                </a:ln>
-                <a:effectLst/>
-                <a:uLnTx/>
-                <a:uFillTx/>
-                <a:latin typeface="Proxima Nova Rg"/>
-                <a:ea typeface="+mn-ea"/>
-                <a:cs typeface="+mn-cs"/>
-              </a:rPr>
-              <a:t>&lt;balisedeg1&gt;</a:t>
+              <a:t>ou égal à &lt;ABAC&gt; &lt;balisedeg1&gt;</a:t>
             </a:r>
             <a:r>
               <a:rPr kumimoji="0" lang="fr-FR" sz="800" b="0" i="0" u="none" strike="noStrike" kern="1200" cap="none" spc="0" normalizeH="0" baseline="0" noProof="0" dirty="0">
@@ -21979,7 +21698,41 @@
                 <a:ea typeface="+mn-ea"/>
                 <a:cs typeface="+mn-cs"/>
               </a:rPr>
-              <a:t>: En acceptant de limiter leurs gains à &lt;CPN&gt; par &lt;F0&gt; écoulé (soit un Taux de Rendement Annuel net maximum de &lt;TRA.F.A&gt;), les investisseurs recevront en contrepartie l’intégralité du capital initial si &lt;SJR1&gt; ne baisse pas de plus de &lt;</a:t>
+              <a:t>: En acceptant de limiter leurs gains à &lt;CPN&gt; par &lt;F0&gt; écoulé (soit un Taux de Rendement Annuel net maximum de &lt;TRA.F.A&gt;</a:t>
+            </a:r>
+            <a:r>
+              <a:rPr kumimoji="0" lang="fr-FR" sz="800" b="0" i="0" u="none" strike="noStrike" kern="1200" cap="none" spc="0" normalizeH="0" baseline="30000" noProof="0" dirty="0">
+                <a:ln>
+                  <a:noFill/>
+                </a:ln>
+                <a:solidFill>
+                  <a:schemeClr val="tx1"/>
+                </a:solidFill>
+                <a:effectLst/>
+                <a:uLnTx/>
+                <a:uFillTx/>
+                <a:latin typeface="Proxima Nova Rg"/>
+                <a:ea typeface="+mn-ea"/>
+                <a:cs typeface="+mn-cs"/>
+              </a:rPr>
+              <a:t>(2)</a:t>
+            </a:r>
+            <a:r>
+              <a:rPr kumimoji="0" lang="fr-FR" sz="800" b="0" i="0" u="none" strike="noStrike" kern="1200" cap="none" spc="0" normalizeH="0" baseline="0" noProof="0" dirty="0">
+                <a:ln>
+                  <a:noFill/>
+                </a:ln>
+                <a:solidFill>
+                  <a:schemeClr val="tx1"/>
+                </a:solidFill>
+                <a:effectLst/>
+                <a:uLnTx/>
+                <a:uFillTx/>
+                <a:latin typeface="Proxima Nova Rg"/>
+                <a:ea typeface="+mn-ea"/>
+                <a:cs typeface="+mn-cs"/>
+              </a:rPr>
+              <a:t>), les investisseurs recevront en contrepartie l’intégralité du capital initial si &lt;SJR1&gt; ne baisse pas de plus de &lt;</a:t>
             </a:r>
             <a:r>
               <a:rPr lang="fr-FR" sz="800" dirty="0">
@@ -22199,7 +21952,7 @@
         </p:nvSpPr>
         <p:spPr bwMode="auto">
           <a:xfrm>
-            <a:off x="537947" y="9498001"/>
+            <a:off x="359409" y="9469255"/>
             <a:ext cx="6483350" cy="1292662"/>
           </a:xfrm>
           <a:prstGeom prst="rect">
@@ -22221,135 +21974,54 @@
           <a:p>
             <a:pPr algn="just"/>
             <a:r>
-              <a:rPr lang="fr-FR" sz="600" i="1" dirty="0">
+              <a:rPr lang="fr-FR" sz="600" dirty="0">
                 <a:solidFill>
                   <a:srgbClr val="000000"/>
                 </a:solidFill>
                 <a:latin typeface="Proxima Nova Rg" panose="02000506030000020004" pitchFamily="2" charset="0"/>
               </a:rPr>
-              <a:t>Les termes « capital » et « capital initial » utilisés dans cette brochure désignent la Valeur Nominale des titres de créance « NOMP1&gt; » soit 1000 EUR. Le montant remboursé est brut, hors frais de fiscalité applicable au cadre d’investissement. Le taux de rendement annuel est net de frais de gestion pour les contrats d’assurance vie/capitalisation ou net de droit de garde en compte-titres (en prenant comme hypothèse un taux de frais de gestion ou de droits de garde de 1,00%), sans prise en compte des autres frais et de la fiscalité. Il est calculé entre la date de constatation initiale (soit le &lt;2PDC&gt;) et la date de remboursement automatique anticipé concernée, ou finale selon les cas. En cas de vente du titre de créance avant l’échéance, ou la date de remboursement anticipé (ou en cas d’arbitrage ou de rachat pour les contrats d’assurance vie/capitalisation, ou de dénouement par décès pour les contrats d’assurance vie), le Taux de Rendement annuel effectif peut être supérieur ou inférieur au Taux de Rendement annuel indiqué dans la présente </a:t>
-            </a:r>
-            <a:r>
-              <a:rPr lang="fr-FR" sz="600" i="1" dirty="0" err="1">
-                <a:solidFill>
-                  <a:srgbClr val="000000"/>
-                </a:solidFill>
-                <a:latin typeface="Proxima Nova Rg" panose="02000506030000020004" pitchFamily="2" charset="0"/>
-              </a:rPr>
-              <a:t>brohcure</a:t>
-            </a:r>
-            <a:r>
-              <a:rPr lang="fr-FR" sz="600" i="1" dirty="0">
-                <a:solidFill>
-                  <a:srgbClr val="000000"/>
-                </a:solidFill>
-                <a:latin typeface="Proxima Nova Rg" panose="02000506030000020004" pitchFamily="2" charset="0"/>
-              </a:rPr>
-              <a:t>. De plus, l’investisseur peut subir une perte en capital.</a:t>
+              <a:t>Les termes « capital » et « capital initial » utilisés dans cette brochure désignent la Valeur Nominale des titres de créance « NOMP1&gt; » soit 1000 EUR. Le montant remboursé est brut, hors frais de fiscalité applicable au cadre d’investissement. Le taux de rendement annuel est net de frais de gestion pour les contrats d’assurance vie/capitalisation ou net de droit de garde en compte-titres (en prenant comme hypothèse un taux de frais de gestion ou de droits de garde de 1,00%), sans prise en compte des autres frais et de la fiscalité. Il est calculé entre la date de constatation initiale (soit le &lt;2PDC&gt;) et la date de remboursement automatique anticipé concernée, ou finale selon les cas. En cas de vente du titre de créance avant l’échéance, ou la date de remboursement anticipé (ou en cas d’arbitrage ou de rachat pour les contrats d’assurance vie/capitalisation, ou de dénouement par décès pour les contrats d’assurance vie), le Taux de Rendement annuel effectif peut être supérieur ou inférieur au Taux de Rendement annuel indiqué dans la présente brochure. De plus, l’investisseur peut subir une perte en capital.</a:t>
             </a:r>
           </a:p>
           <a:p>
             <a:pPr algn="just"/>
             <a:r>
-              <a:rPr lang="fr-FR" sz="600" i="1" baseline="30000" dirty="0">
+              <a:rPr lang="fr-FR" sz="600" dirty="0">
                 <a:solidFill>
                   <a:srgbClr val="000000"/>
                 </a:solidFill>
                 <a:latin typeface="Proxima Nova Rg" panose="02000506030000020004" pitchFamily="2" charset="0"/>
               </a:rPr>
-              <a:t>(1)</a:t>
-            </a:r>
-            <a:r>
-              <a:rPr lang="fr-FR" sz="600" i="1" dirty="0">
-                <a:solidFill>
-                  <a:srgbClr val="000000"/>
-                </a:solidFill>
-                <a:latin typeface="Proxima Nova Rg" panose="02000506030000020004" pitchFamily="2" charset="0"/>
-              </a:rPr>
-              <a:t>Veuillez vous référer au tableau récapitulant les principales caractéristiques financières en &lt;PAGE&gt; pour le détail des dates. </a:t>
+              <a:t>(1) Veuillez vous référer au tableau récapitulant les principales caractéristiques financières en &lt;PAGE&gt; pour le détail des dates. </a:t>
             </a:r>
           </a:p>
           <a:p>
             <a:pPr algn="just"/>
             <a:r>
-              <a:rPr lang="fr-FR" sz="600" i="1" baseline="30000" dirty="0">
+              <a:rPr lang="fr-FR" sz="600" dirty="0">
                 <a:solidFill>
                   <a:srgbClr val="000000"/>
                 </a:solidFill>
                 <a:latin typeface="Proxima Nova Rg" panose="02000506030000020004" pitchFamily="2" charset="0"/>
               </a:rPr>
-              <a:t>(2) </a:t>
-            </a:r>
-            <a:r>
-              <a:rPr lang="fr-FR" sz="600" i="1" dirty="0">
-                <a:solidFill>
-                  <a:srgbClr val="000000"/>
-                </a:solidFill>
-                <a:latin typeface="Proxima Nova Rg" panose="02000506030000020004" pitchFamily="2" charset="0"/>
-              </a:rPr>
-              <a:t>Hors cas de défaillance de l’émetteur</a:t>
+              <a:t>(2) Hors cas de défaillance de l’émetteur</a:t>
             </a:r>
           </a:p>
           <a:p>
             <a:pPr algn="just"/>
             <a:r>
-              <a:rPr lang="fr-FR" sz="600" i="1" baseline="30000" dirty="0">
+              <a:rPr lang="fr-FR" sz="600" dirty="0">
                 <a:solidFill>
                   <a:srgbClr val="000000"/>
                 </a:solidFill>
                 <a:latin typeface="Proxima Nova Rg" panose="02000506030000020004" pitchFamily="2" charset="0"/>
               </a:rPr>
-              <a:t>(3)</a:t>
-            </a:r>
-            <a:r>
-              <a:rPr lang="fr-FR" sz="600" i="1" dirty="0">
-                <a:solidFill>
-                  <a:srgbClr val="000000"/>
-                </a:solidFill>
-                <a:latin typeface="Proxima Nova Rg" panose="02000506030000020004" pitchFamily="2" charset="0"/>
-              </a:rPr>
-              <a:t> En prenant comme hypothèse 1,00% de frais de gestion du contrat d’assurance vie ou de capitalisation. TRA nets hors autres frais, fiscalité et prélèvements sociaux applicables au cadre d’investissement, et hors défaut de paiement et/ou faillite de l’Émetteur et du Garant de la formule et hors mise en résolution du Garant de la formule. Les TRA sont calculés à partir du &lt;2PDC&gt; jusqu’à la date de remboursement anticipé automatique éventuel</a:t>
-            </a:r>
-            <a:r>
-              <a:rPr lang="fr-FR" sz="600" i="1" baseline="30000" dirty="0">
-                <a:solidFill>
-                  <a:srgbClr val="000000"/>
-                </a:solidFill>
-                <a:latin typeface="Proxima Nova Rg" panose="02000506030000020004" pitchFamily="2" charset="0"/>
-              </a:rPr>
-              <a:t>(1)</a:t>
-            </a:r>
-            <a:r>
-              <a:rPr lang="fr-FR" sz="600" i="1" dirty="0">
-                <a:solidFill>
-                  <a:srgbClr val="000000"/>
-                </a:solidFill>
-                <a:latin typeface="Proxima Nova Rg" panose="02000506030000020004" pitchFamily="2" charset="0"/>
-              </a:rPr>
-              <a:t> ou d’échéance</a:t>
-            </a:r>
-            <a:r>
-              <a:rPr lang="fr-FR" sz="600" i="1" baseline="30000" dirty="0">
-                <a:solidFill>
-                  <a:srgbClr val="000000"/>
-                </a:solidFill>
-                <a:latin typeface="Proxima Nova Rg" panose="02000506030000020004" pitchFamily="2" charset="0"/>
-              </a:rPr>
-              <a:t>(1)</a:t>
-            </a:r>
-            <a:r>
-              <a:rPr lang="fr-FR" sz="600" i="1" dirty="0">
-                <a:solidFill>
-                  <a:srgbClr val="000000"/>
-                </a:solidFill>
-                <a:latin typeface="Proxima Nova Rg" panose="02000506030000020004" pitchFamily="2" charset="0"/>
-              </a:rPr>
-              <a:t> selon les scénarios. Une sortie anticipée à l’initiative de l’investisseur se fera à un &lt;SJR3&gt; dépendant de l’évolution des paramètres de marché au moment de la sortie (&lt;SJR3&gt; &lt;SJR7&gt;, des taux d’intérêt, de la volatilité et des primes de risque de crédit notamment) et pourra donc entraîner un risque de perte en capital.</a:t>
+              <a:t>(3) En prenant comme hypothèse 1,00% de frais de gestion du contrat d’assurance vie ou de capitalisation. TRA nets hors autres frais, fiscalité et prélèvements sociaux applicables au cadre d’investissement, et hors défaut de paiement et/ou faillite de l’Émetteur et du Garant de la formule et hors mise en résolution du Garant de la formule. Les TRA sont calculés à partir du &lt;2PDC&gt; jusqu’à la date de remboursement anticipé automatique éventuel(1) ou d’échéance(1) selon les scénarios. Une sortie anticipée à l’initiative de l’investisseur se fera à un &lt;SJR3&gt; dépendant de l’évolution des paramètres de marché au moment de la sortie (&lt;SJR3&gt; &lt;SJR7&gt;, des taux d’intérêt, de la volatilité et des primes de risque de crédit notamment) et pourra donc entraîner un risque de perte en capital.</a:t>
             </a:r>
           </a:p>
           <a:p>
             <a:pPr algn="just"/>
-            <a:endParaRPr lang="fr-FR" sz="600" i="1" dirty="0">
+            <a:endParaRPr lang="fr-FR" sz="600" dirty="0">
               <a:solidFill>
                 <a:srgbClr val="000000"/>
               </a:solidFill>
@@ -23094,7 +22766,7 @@
                 <a:ea typeface="+mn-ea"/>
                 <a:cs typeface="+mn-cs"/>
               </a:rPr>
-              <a:t>Pour un investissement dans « &lt;NOM&gt; », vous êtes exposé pour une durée de &lt;1PR&gt; à &lt;DPRR&gt; &lt;F0&gt;&lt;F0s&gt; à l’évolution &lt;SJR6&gt;</a:t>
+              <a:t>Pour un investissement dans « &lt;NOM&gt; », vous êtes exposé pour une durée &lt;DUREE&gt; à l’évolution &lt;SJR6&gt;</a:t>
             </a:r>
             <a:r>
               <a:rPr lang="fr-FR" sz="800" b="1" dirty="0">
@@ -23436,7 +23108,7 @@
                 <a:ea typeface="+mn-ea"/>
                 <a:cs typeface="+mn-cs"/>
               </a:rPr>
-              <a:t>avec un objectif de coupon fixe plafonné à &lt;CPN&gt; par &lt;F0&gt; (soit &lt;GCA&gt; par année écoulée)&lt;Mémoire6&gt; </a:t>
+              <a:t>avec un objectif de coupon fixe plafonné à &lt;CPN&gt; &lt;environ&gt; par &lt;F0&gt; &lt;ANNUALISE&gt; &lt;Mémoire6&gt; </a:t>
             </a:r>
             <a:r>
               <a:rPr kumimoji="0" lang="fr-FR" sz="800" b="0" i="0" u="none" strike="noStrike" kern="1200" cap="none" spc="0" normalizeH="0" baseline="0" noProof="0" dirty="0">
@@ -23565,7 +23237,7 @@
                 <a:ea typeface="+mn-ea"/>
                 <a:cs typeface="+mn-cs"/>
               </a:rPr>
-              <a:t> (1)(2)</a:t>
+              <a:t>(1)(2)</a:t>
             </a:r>
             <a:r>
               <a:rPr lang="fr-FR" sz="800" b="1" dirty="0">
@@ -23797,27 +23469,7 @@
                 <a:ea typeface="+mn-ea"/>
                 <a:cs typeface="+mn-cs"/>
               </a:rPr>
-              <a:t>n’enregistre pas de baisse de plus de &lt;PDIPERF&gt; par rapport à son &lt;NDR&gt;, l’investisseur accepte de limiter ses gains en cas de forte hausse des marchés (Taux de Rendement Annuel net maximum de </a:t>
-            </a:r>
-            <a:r>
-              <a:rPr kumimoji="0" lang="fr-FR" sz="800" b="0" i="0" u="none" strike="noStrike" kern="1200" cap="none" spc="0" normalizeH="0" baseline="0" noProof="0" dirty="0">
-                <a:ln>
-                  <a:noFill/>
-                </a:ln>
-                <a:solidFill>
-                  <a:schemeClr val="tx1"/>
-                </a:solidFill>
-                <a:effectLst/>
-                <a:highlight>
-                  <a:srgbClr val="00FFFF"/>
-                </a:highlight>
-                <a:uLnTx/>
-                <a:uFillTx/>
-                <a:latin typeface="Proxima Nova Rg"/>
-                <a:ea typeface="+mn-ea"/>
-                <a:cs typeface="+mn-cs"/>
-              </a:rPr>
-              <a:t>&lt;TRA.MAX.P&gt;</a:t>
+              <a:t>n’enregistre pas de baisse de plus de &lt;PDIPERF&gt; par rapport à son &lt;NDR&gt;, l’investisseur accepte de limiter ses gains en cas de forte hausse des marchés (Taux de Rendement Annuel net maximum de &lt;TRA.MAX.P&gt;</a:t>
             </a:r>
             <a:r>
               <a:rPr kumimoji="0" lang="fr-FR" sz="800" b="0" i="0" u="none" strike="noStrike" kern="1200" cap="none" spc="0" normalizeH="0" baseline="30000" noProof="0" dirty="0">
@@ -23828,33 +23480,13 @@
                   <a:schemeClr val="tx1"/>
                 </a:solidFill>
                 <a:effectLst/>
-                <a:highlight>
-                  <a:srgbClr val="00FFFF"/>
-                </a:highlight>
                 <a:uLnTx/>
                 <a:uFillTx/>
                 <a:latin typeface="Proxima Nova Rg"/>
                 <a:ea typeface="+mn-ea"/>
                 <a:cs typeface="+mn-cs"/>
               </a:rPr>
-              <a:t>(</a:t>
-            </a:r>
-            <a:r>
-              <a:rPr kumimoji="0" lang="fr-FR" sz="800" b="0" i="0" u="none" strike="noStrike" kern="1200" cap="none" spc="0" normalizeH="0" baseline="30000" noProof="0" dirty="0">
-                <a:ln>
-                  <a:noFill/>
-                </a:ln>
-                <a:solidFill>
-                  <a:schemeClr val="tx1"/>
-                </a:solidFill>
-                <a:effectLst/>
-                <a:uLnTx/>
-                <a:uFillTx/>
-                <a:latin typeface="Proxima Nova Rg"/>
-                <a:ea typeface="+mn-ea"/>
-                <a:cs typeface="+mn-cs"/>
-              </a:rPr>
-              <a:t>2)</a:t>
+              <a:t>(2)</a:t>
             </a:r>
             <a:r>
               <a:rPr kumimoji="0" lang="fr-FR" sz="800" b="0" i="0" u="none" strike="noStrike" kern="1200" cap="none" spc="0" normalizeH="0" baseline="0" noProof="0" dirty="0">
@@ -24115,43 +23747,25 @@
           <a:p>
             <a:pPr algn="just"/>
             <a:r>
-              <a:rPr lang="fr-FR" sz="650" baseline="30000" dirty="0">
+              <a:rPr lang="fr-FR" sz="650" dirty="0">
                 <a:solidFill>
                   <a:srgbClr val="000000"/>
                 </a:solidFill>
                 <a:latin typeface="Proxima Nova Rg" panose="02000506030000020004" pitchFamily="2" charset="0"/>
               </a:rPr>
-              <a:t>(1) </a:t>
-            </a:r>
-            <a:r>
-              <a:rPr lang="fr-FR" sz="650" dirty="0">
-                <a:solidFill>
-                  <a:srgbClr val="000000"/>
-                </a:solidFill>
-                <a:latin typeface="Proxima Nova Rg" panose="02000506030000020004" pitchFamily="2" charset="0"/>
-              </a:rPr>
-              <a:t>Veuillez vous référer au tableau récapitulant les principales caractéristiques financières en &lt;PAGE&gt; pour le détail des dates. </a:t>
+              <a:t>(1) Veuillez vous référer au tableau récapitulant les principales caractéristiques financières en &lt;PAGE&gt; pour le détail des dates. </a:t>
             </a:r>
           </a:p>
           <a:p>
             <a:pPr algn="just"/>
             <a:r>
-              <a:rPr lang="fr-FR" sz="650" baseline="30000" dirty="0">
+              <a:rPr lang="fr-FR" sz="650" dirty="0">
                 <a:solidFill>
                   <a:srgbClr val="000000"/>
                 </a:solidFill>
                 <a:latin typeface="Proxima Nova Rg" panose="02000506030000020004" pitchFamily="2" charset="0"/>
               </a:rPr>
-              <a:t>(2)</a:t>
-            </a:r>
-            <a:r>
-              <a:rPr lang="fr-FR" sz="650" dirty="0">
-                <a:solidFill>
-                  <a:srgbClr val="000000"/>
-                </a:solidFill>
-                <a:latin typeface="Proxima Nova Rg" panose="02000506030000020004" pitchFamily="2" charset="0"/>
-              </a:rPr>
-              <a:t> En prenant comme hypothèse 1,00% de frais de gestion du contrat d’assurance vie ou de capitalisation. TRA nets hors autres frais, fiscalité et prélèvements sociaux applicables au cadre d’investissement, et hors défaut de paiement et/ou faillite de l’Émetteur et du Garant de la formule et hors mise en résolution du Garant de la formule. Les TRA sont calculés à partir du &lt;2PDC&gt; jusqu’à la date de remboursement anticipé automatique éventuel</a:t>
+              <a:t>(2) En prenant comme hypothèse 1,00% de frais de gestion du contrat d’assurance vie ou de capitalisation. TRA nets hors autres frais, fiscalité et prélèvements sociaux applicables au cadre d’investissement, et hors défaut de paiement et/ou faillite de l’Émetteur et du Garant de la formule et hors mise en résolution du Garant de la formule. Les TRA sont calculés à partir du &lt;2PDC&gt; jusqu’à la date de remboursement anticipé automatique éventuel</a:t>
             </a:r>
             <a:r>
               <a:rPr lang="fr-FR" sz="650" baseline="30000" dirty="0">
@@ -24687,7 +24301,7 @@
             </a:pPr>
             <a:r>
               <a:rPr lang="fr-FR" sz="800" dirty="0"/>
-              <a:t>Un gain plafonné fixe de &lt;CPN&gt; par &lt;F0&gt; &lt;F2&gt; depuis le &lt;DDCI&gt;</a:t>
+              <a:t>Un gain de &lt;CPN&gt; &lt;environ&gt; &lt;environ&gt; par &lt;F0&gt; &lt;F2&gt; depuis le &lt;DDCI&gt;&lt;exclus&gt;</a:t>
             </a:r>
           </a:p>
           <a:p>
@@ -24702,15 +24316,7 @@
             </a:pPr>
             <a:r>
               <a:rPr lang="fr-FR" sz="800" dirty="0"/>
-              <a:t>(soit un &lt;GC&gt; de &lt;GCE&gt; et un Taux de Rendement Annuel net de </a:t>
-            </a:r>
-            <a:r>
-              <a:rPr lang="fr-FR" sz="800" dirty="0">
-                <a:highlight>
-                  <a:srgbClr val="FFFF00"/>
-                </a:highlight>
-              </a:rPr>
-              <a:t>&lt;TRA.MG.A&gt;</a:t>
+              <a:t>(Soit un &lt;GC&gt; de &lt;GCE&gt; et un Taux de Rendement Annuel net de &lt;TRA.MG.A&gt;</a:t>
             </a:r>
             <a:r>
               <a:rPr lang="fr-FR" sz="800" baseline="30000" dirty="0"/>
@@ -24962,7 +24568,7 @@
             </a:pPr>
             <a:r>
               <a:rPr lang="fr-FR" sz="800" dirty="0"/>
-              <a:t>Un gain de &lt;CPN&gt; par &lt;F0&gt; &lt;F2&gt; depuis le &lt;DDCI&gt; </a:t>
+              <a:t>Un gain de &lt;CPN&gt; par &lt;F0&gt; &lt;F2&gt; depuis le &lt;DDCI&gt;&lt;exclus&gt; </a:t>
             </a:r>
           </a:p>
           <a:p>
@@ -24977,15 +24583,7 @@
             </a:pPr>
             <a:r>
               <a:rPr lang="fr-FR" sz="800" dirty="0"/>
-              <a:t>(Soit un Taux de Rendement Annuel net compris entre </a:t>
-            </a:r>
-            <a:r>
-              <a:rPr lang="fr-FR" sz="800" dirty="0">
-                <a:highlight>
-                  <a:srgbClr val="FFFF00"/>
-                </a:highlight>
-              </a:rPr>
-              <a:t>&lt;TRA.MRA.MIN.A&gt;</a:t>
+              <a:t>(Soit un Taux de Rendement Annuel net compris entre &lt;TRA.MRA.MIN.A&gt;</a:t>
             </a:r>
             <a:r>
               <a:rPr lang="fr-FR" sz="800" baseline="30000" dirty="0"/>
@@ -24993,15 +24591,7 @@
             </a:r>
             <a:r>
               <a:rPr lang="fr-FR" sz="800" dirty="0"/>
-              <a:t>et </a:t>
-            </a:r>
-            <a:r>
-              <a:rPr lang="fr-FR" sz="800" dirty="0">
-                <a:highlight>
-                  <a:srgbClr val="FFFF00"/>
-                </a:highlight>
-              </a:rPr>
-              <a:t>&lt;TRA.F.A&gt;</a:t>
+              <a:t>et &lt;TRA.F.A&gt;</a:t>
             </a:r>
             <a:r>
               <a:rPr lang="fr-FR" sz="800" baseline="30000" dirty="0"/>
@@ -25029,7 +24619,7 @@
         <p:spPr>
           <a:xfrm>
             <a:off x="910052" y="2345793"/>
-            <a:ext cx="6005163" cy="738664"/>
+            <a:ext cx="6005163" cy="615553"/>
           </a:xfrm>
           <a:prstGeom prst="rect">
             <a:avLst/>
@@ -25065,7 +24655,7 @@
                   <a:schemeClr val="tx2"/>
                 </a:solidFill>
               </a:rPr>
-              <a:t>à partir de la fin &lt;DU&gt; &lt;F0&gt; &lt;1PR&gt; et jusqu’à la fin &lt;DU&gt; &lt;F0&gt; &lt;ADPR&gt;, on observe le &lt;SJR3&gt; de clôture &lt;SJR7&gt;</a:t>
+              <a:t>&lt;PERIODE_DE_REMBOURSEMENT&gt; , on observe le &lt;SJR3&gt; de clôture &lt;SJR7&gt;</a:t>
             </a:r>
             <a:r>
               <a:rPr lang="en-US" sz="800" dirty="0">
@@ -25464,7 +25054,7 @@
                   <a:schemeClr val="tx2"/>
                 </a:solidFill>
               </a:rPr>
-              <a:t>clôture à un &lt;SJR3&gt; supérieur ou égal à &lt;DBAC&gt; de son &lt;NDR&gt;, l’investisseur reçoit, le &lt;DEC_MAJ&gt;</a:t>
+              <a:t>clôture à un &lt;SJR3&gt; supérieur ou égal à &lt;DBAC&gt;% de son &lt;NDR&gt;, l’investisseur reçoit, le &lt;DEC_MAJ&gt;</a:t>
             </a:r>
             <a:r>
               <a:rPr lang="fr-FR" sz="800" b="1" baseline="30000" dirty="0">
@@ -25789,7 +25379,7 @@
             </a:pPr>
             <a:r>
               <a:rPr lang="fr-FR" sz="800" dirty="0"/>
-              <a:t>par &lt;SJR1&gt; entre le &lt;DDCI&gt; et le &lt;DCF&gt;</a:t>
+              <a:t>par &lt;SJR1&gt; entre son &lt;NDR&gt; et son &lt;SJR3&gt; final le &lt;DCF&gt;</a:t>
             </a:r>
           </a:p>
           <a:p>
@@ -25804,19 +25394,11 @@
             </a:pPr>
             <a:r>
               <a:rPr lang="fr-FR" sz="800" dirty="0"/>
-              <a:t>(Soit un Taux de Rendement Annuel net inférieur ou égal </a:t>
-            </a:r>
-            <a:r>
-              <a:rPr lang="fr-FR" sz="800"/>
-              <a:t>à &lt;TRA.ECHEANCE.PERTE.A&gt;</a:t>
-            </a:r>
-            <a:r>
-              <a:rPr lang="fr-FR" sz="800" baseline="30000"/>
-              <a:t>(</a:t>
+              <a:t>(Soit un Taux de Rendement Annuel net inférieur ou égal à &lt;TRA.ECHEANCE.PERTE.A&gt;</a:t>
             </a:r>
             <a:r>
               <a:rPr lang="fr-FR" sz="800" baseline="30000" dirty="0"/>
-              <a:t>2)</a:t>
+              <a:t>(2)</a:t>
             </a:r>
             <a:r>
               <a:rPr lang="fr-FR" sz="800" dirty="0"/>
@@ -26924,43 +26506,25 @@
           <a:p>
             <a:pPr algn="just"/>
             <a:r>
-              <a:rPr lang="fr-FR" sz="650" baseline="30000" dirty="0">
+              <a:rPr lang="fr-FR" sz="650" dirty="0">
                 <a:solidFill>
                   <a:srgbClr val="000000"/>
                 </a:solidFill>
                 <a:latin typeface="Proxima Nova Rg" panose="02000506030000020004" pitchFamily="2" charset="0"/>
               </a:rPr>
-              <a:t>(1) </a:t>
-            </a:r>
-            <a:r>
-              <a:rPr lang="fr-FR" sz="650" dirty="0">
-                <a:solidFill>
-                  <a:srgbClr val="000000"/>
-                </a:solidFill>
-                <a:latin typeface="Proxima Nova Rg" panose="02000506030000020004" pitchFamily="2" charset="0"/>
-              </a:rPr>
-              <a:t>Veuillez vous référer au tableau récapitulant les principales caractéristiques financières en &lt;PAGE&gt; pour le détail des dates. </a:t>
+              <a:t>(1) Veuillez vous référer au tableau récapitulant les principales caractéristiques financières en &lt;PAGE&gt; pour le détail des dates. </a:t>
             </a:r>
           </a:p>
           <a:p>
             <a:pPr algn="just"/>
             <a:r>
-              <a:rPr lang="fr-FR" sz="650" baseline="30000" dirty="0">
+              <a:rPr lang="fr-FR" sz="650" dirty="0">
                 <a:solidFill>
                   <a:srgbClr val="000000"/>
                 </a:solidFill>
                 <a:latin typeface="Proxima Nova Rg" panose="02000506030000020004" pitchFamily="2" charset="0"/>
               </a:rPr>
-              <a:t>(2)</a:t>
-            </a:r>
-            <a:r>
-              <a:rPr lang="fr-FR" sz="650" dirty="0">
-                <a:solidFill>
-                  <a:srgbClr val="000000"/>
-                </a:solidFill>
-                <a:latin typeface="Proxima Nova Rg" panose="02000506030000020004" pitchFamily="2" charset="0"/>
-              </a:rPr>
-              <a:t> </a:t>
+              <a:t>(2) </a:t>
             </a:r>
             <a:r>
               <a:rPr lang="fr-FR" sz="700" dirty="0">
@@ -28806,8 +28370,8 @@
         </p:nvSpPr>
         <p:spPr bwMode="auto">
           <a:xfrm>
-            <a:off x="133350" y="9765983"/>
-            <a:ext cx="6483350" cy="630942"/>
+            <a:off x="-63538" y="9761706"/>
+            <a:ext cx="7066318" cy="630942"/>
           </a:xfrm>
           <a:prstGeom prst="rect">
             <a:avLst/>
@@ -28821,50 +28385,32 @@
           </a:ln>
         </p:spPr>
         <p:txBody>
-          <a:bodyPr wrap="square" lIns="0" tIns="0" rIns="0" bIns="0">
+          <a:bodyPr wrap="square" lIns="0" tIns="0" rIns="0" bIns="0" anchor="ctr">
             <a:spAutoFit/>
           </a:bodyPr>
           <a:lstStyle/>
           <a:p>
-            <a:pPr lvl="1" algn="just"/>
-            <a:r>
-              <a:rPr lang="fr-FR" sz="700" baseline="30000" dirty="0">
+            <a:pPr lvl="1"/>
+            <a:r>
+              <a:rPr lang="fr-FR" sz="700" dirty="0">
                 <a:solidFill>
                   <a:srgbClr val="000000"/>
                 </a:solidFill>
                 <a:latin typeface="Proxima Nova Rg" panose="02000506030000020004" pitchFamily="2" charset="0"/>
               </a:rPr>
-              <a:t>(1)</a:t>
-            </a:r>
-            <a:r>
-              <a:rPr lang="fr-FR" sz="700" dirty="0">
-                <a:solidFill>
-                  <a:srgbClr val="000000"/>
-                </a:solidFill>
-                <a:latin typeface="Proxima Nova Rg" panose="02000506030000020004" pitchFamily="2" charset="0"/>
-              </a:rPr>
-              <a:t> Veuillez vous référer au tableau récapitulant les principales caractéristiques financières en page 7 pour le détail des dates. </a:t>
+              <a:t>(1) Veuillez vous référer au tableau récapitulant les principales caractéristiques financières en page 7 pour le détail des dates. </a:t>
             </a:r>
           </a:p>
           <a:p>
-            <a:pPr lvl="1" algn="just"/>
-            <a:r>
-              <a:rPr lang="fr-FR" sz="700" baseline="30000" dirty="0">
+            <a:pPr lvl="1"/>
+            <a:r>
+              <a:rPr lang="fr-FR" sz="700" dirty="0">
                 <a:solidFill>
                   <a:srgbClr val="000000"/>
                 </a:solidFill>
                 <a:latin typeface="Proxima Nova Rg" panose="02000506030000020004" pitchFamily="2" charset="0"/>
               </a:rPr>
-              <a:t>(2)</a:t>
-            </a:r>
-            <a:r>
-              <a:rPr lang="fr-FR" sz="700" dirty="0">
-                <a:solidFill>
-                  <a:srgbClr val="000000"/>
-                </a:solidFill>
-                <a:latin typeface="Proxima Nova Rg" panose="02000506030000020004" pitchFamily="2" charset="0"/>
-              </a:rPr>
-              <a:t> En prenant comme hypothèse 1,00% de frais de gestion du contrat d’assurance vie ou de capitalisation ou de droits de garde en compte-titres. TRA net hors autres frais, fiscalité et prélèvements sociaux applicables au cadre d’investissement, et hors défaut de paiement et/ou faillite et hors mise en résolution de l’Émetteur. Les TRA sont calculés à partir </a:t>
+              <a:t>(2) En prenant comme hypothèse 1,00% de frais de gestion du contrat d’assurance vie ou de capitalisation ou de droits de garde en compte-titres. TRA net hors autres frais, fiscalité et prélèvements sociaux applicables au cadre d’investissement, et hors défaut de paiement et/ou faillite et hors mise en résolution de l’Émetteur. Les TRA sont calculés à partir </a:t>
             </a:r>
             <a:r>
               <a:rPr lang="fr-FR" sz="650" dirty="0">
@@ -29424,15 +28970,7 @@
             </a:pPr>
             <a:r>
               <a:rPr lang="fr-FR" sz="800" dirty="0"/>
-              <a:t>(soit un Taux de Rendement Annuel net entre </a:t>
-            </a:r>
-            <a:r>
-              <a:rPr lang="fr-FR" sz="800" dirty="0">
-                <a:highlight>
-                  <a:srgbClr val="00FFFF"/>
-                </a:highlight>
-              </a:rPr>
-              <a:t>&lt;TRA.EM.P&gt;</a:t>
+              <a:t>(soit un Taux de Rendement Annuel net entre &lt;TRA.EM.P&gt;</a:t>
             </a:r>
             <a:r>
               <a:rPr lang="fr-FR" sz="800" baseline="30000" dirty="0"/>
@@ -29440,15 +28978,7 @@
             </a:r>
             <a:r>
               <a:rPr lang="fr-FR" sz="800" dirty="0"/>
-              <a:t> et </a:t>
-            </a:r>
-            <a:r>
-              <a:rPr lang="fr-FR" sz="800" dirty="0">
-                <a:highlight>
-                  <a:srgbClr val="00FFFF"/>
-                </a:highlight>
-              </a:rPr>
-              <a:t>&lt;TRA.TOUT.P&gt;</a:t>
+              <a:t> et &lt;TRA.TOUT.P&gt;</a:t>
             </a:r>
             <a:r>
               <a:rPr lang="fr-FR" sz="800" baseline="30000" dirty="0"/>
@@ -30089,7 +29619,7 @@
             </a:pPr>
             <a:r>
               <a:rPr lang="fr-FR" sz="800" dirty="0"/>
-              <a:t>par &lt;SJR1&gt; entre le &lt;NDR&gt; et son niveau de clôture le &lt;DCF&gt;</a:t>
+              <a:t>par &lt;SJR1&gt; entre son &lt;NDR&gt; et son &lt;SJR3&gt; final le &lt;DCF&gt;</a:t>
             </a:r>
           </a:p>
           <a:p>
@@ -30105,6 +29635,10 @@
             <a:r>
               <a:rPr lang="fr-FR" sz="800" dirty="0"/>
               <a:t>(Soit un Taux de Rendement Annuel net inférieur ou égal à &lt;TRA.MED.P&gt;</a:t>
+            </a:r>
+            <a:r>
+              <a:rPr lang="fr-FR" sz="800" baseline="30000" dirty="0"/>
+              <a:t>(2)</a:t>
             </a:r>
           </a:p>
           <a:p>
@@ -30296,11 +29830,7 @@
               <a:t>(soit un Taux de Rendement Annuel net compris entre -1,00% et </a:t>
             </a:r>
             <a:r>
-              <a:rPr lang="fr-FR" sz="800" dirty="0">
-                <a:highlight>
-                  <a:srgbClr val="00FFFF"/>
-                </a:highlight>
-              </a:rPr>
+              <a:rPr lang="fr-FR" sz="800" dirty="0"/>
               <a:t>&lt;TRA.TOUT.SAUF.P&gt;</a:t>
             </a:r>
             <a:r>
@@ -31174,7 +30704,7 @@
         </p:nvSpPr>
         <p:spPr bwMode="auto">
           <a:xfrm>
-            <a:off x="359839" y="9765983"/>
+            <a:off x="534376" y="9752017"/>
             <a:ext cx="6485461" cy="600164"/>
           </a:xfrm>
           <a:prstGeom prst="rect">
@@ -31196,34 +30726,34 @@
           <a:p>
             <a:pPr marL="0" lvl="1" algn="just"/>
             <a:r>
-              <a:rPr lang="fr-FR" sz="650" baseline="30000" dirty="0">
+              <a:rPr lang="fr-FR" sz="650" dirty="0">
                 <a:solidFill>
                   <a:schemeClr val="tx2"/>
                 </a:solidFill>
                 <a:latin typeface="+mn-lt"/>
               </a:rPr>
-              <a:t>(1)</a:t>
-            </a:r>
-            <a:r>
-              <a:rPr lang="fr-FR" sz="650" dirty="0">
-                <a:solidFill>
-                  <a:schemeClr val="tx2"/>
-                </a:solidFill>
-                <a:latin typeface="+mn-lt"/>
-              </a:rPr>
-              <a:t> Veuillez vous référer au tableau récapitulant les principales caractéristiques financières en &lt;PAGE&gt; pour le détail des dates. </a:t>
+              <a:t>(1) Veuillez vous référer au tableau récapitulant les principales caractéristiques financières en &lt;PAGE&gt; pour le détail des dates. </a:t>
             </a:r>
           </a:p>
           <a:p>
             <a:pPr marL="0" lvl="1" algn="just"/>
             <a:r>
+              <a:rPr lang="fr-FR" sz="650" dirty="0">
+                <a:solidFill>
+                  <a:schemeClr val="tx2"/>
+                </a:solidFill>
+                <a:latin typeface="+mn-lt"/>
+              </a:rPr>
+              <a:t>(2) En prenant comme hypothèse 1,00% de frais de gestion du contrat d’assurance vie ou de capitalisation. TRA nets hors autres frais, fiscalité et prélèvements sociaux applicables au cadre d’investissement, et hors défaut de paiement et/ou faillite de l’Émetteur et du Garant de la formule et hors mise en résolution du Garant de la formule. Les TRA sont calculés à partir du &lt;2PDC&gt; jusqu’à la date de remboursement anticipé automatique éventuel</a:t>
+            </a:r>
+            <a:r>
               <a:rPr lang="fr-FR" sz="650" baseline="30000" dirty="0">
                 <a:solidFill>
                   <a:schemeClr val="tx2"/>
                 </a:solidFill>
                 <a:latin typeface="+mn-lt"/>
               </a:rPr>
-              <a:t>(2)</a:t>
+              <a:t>(1) </a:t>
             </a:r>
             <a:r>
               <a:rPr lang="fr-FR" sz="650" dirty="0">
@@ -31232,25 +30762,7 @@
                 </a:solidFill>
                 <a:latin typeface="+mn-lt"/>
               </a:rPr>
-              <a:t> En prenant comme hypothèse 1,00% de frais de gestion du contrat d’assurance vie ou de capitalisation. TRA nets hors autres frais, fiscalité et prélèvements sociaux applicables au cadre d’investissement, et hors défaut de paiement et/ou faillite de l’Émetteur et du Garant de la formule et hors mise en résolution du Garant de la formule. Les TRA sont calculés à partir du &lt;2PDC&gt; jusqu’à la date de remboursement anticipé automatique éventuel</a:t>
-            </a:r>
-            <a:r>
-              <a:rPr lang="fr-FR" sz="650" baseline="30000" dirty="0">
-                <a:solidFill>
-                  <a:schemeClr val="tx2"/>
-                </a:solidFill>
-                <a:latin typeface="+mn-lt"/>
-              </a:rPr>
-              <a:t>(1)</a:t>
-            </a:r>
-            <a:r>
-              <a:rPr lang="fr-FR" sz="650" dirty="0">
-                <a:solidFill>
-                  <a:schemeClr val="tx2"/>
-                </a:solidFill>
-                <a:latin typeface="+mn-lt"/>
-              </a:rPr>
-              <a:t> ou d’échéance</a:t>
+              <a:t>ou d’échéance</a:t>
             </a:r>
             <a:r>
               <a:rPr lang="fr-FR" sz="650" baseline="30000" dirty="0">
@@ -31593,7 +31105,7 @@
         <p:spPr>
           <a:xfrm>
             <a:off x="361950" y="960898"/>
-            <a:ext cx="6837887" cy="6373027"/>
+            <a:ext cx="6837887" cy="6065891"/>
           </a:xfrm>
           <a:prstGeom prst="rect">
             <a:avLst/>
@@ -31655,7 +31167,7 @@
                   <a:srgbClr val="000000"/>
                 </a:solidFill>
               </a:rPr>
-              <a:t>De la fin &lt;DU&gt; &lt;F0&gt; &lt;1PR&gt; jusqu'à la fin &lt;DU&gt; &lt;F0&gt; &lt;ADPR&gt;, si à l’une des dates de constatation</a:t>
+              <a:t>&lt;PERIODE_DE_REMBOURSEMENT&gt;, si à l’une des dates de constatation</a:t>
             </a:r>
             <a:r>
               <a:rPr lang="fr-FR" sz="800" baseline="30000" dirty="0">
@@ -31687,7 +31199,7 @@
                   <a:srgbClr val="000000"/>
                 </a:solidFill>
               </a:rPr>
-              <a:t>et l’investisseur récupère alors l’intégralité de son capital initial, majorée d’un &lt;GC&gt; de &lt;CPN&gt; par &lt;F0&gt; &lt;F2&gt; depuis le &lt;DDCI&gt; (soit &lt;GCA&gt;</a:t>
+              <a:t>et l’investisseur récupère alors l’intégralité de son capital initial, majorée d’un &lt;GC&gt; de &lt;CPN&gt; &lt;environ&gt; par &lt;F0&gt; &lt;F2&gt; depuis le &lt;DDCI&gt;&lt;exclus&gt; (soit &lt;GCA&gt;</a:t>
             </a:r>
             <a:r>
               <a:rPr lang="fr-FR" sz="800" i="1" dirty="0">
@@ -31724,6 +31236,243 @@
                 <a:cs typeface="Times New Roman" pitchFamily="18" charset="0"/>
               </a:rPr>
               <a:t>).</a:t>
+            </a:r>
+          </a:p>
+          <a:p>
+            <a:pPr marL="171450" indent="-171450" algn="just">
+              <a:lnSpc>
+                <a:spcPct val="95000"/>
+              </a:lnSpc>
+              <a:spcAft>
+                <a:spcPts val="200"/>
+              </a:spcAft>
+              <a:buFont typeface="Arial" panose="020B0604020202020204" pitchFamily="34" charset="0"/>
+              <a:buChar char="•"/>
+            </a:pPr>
+            <a:r>
+              <a:rPr lang="fr-FR" sz="800" dirty="0">
+                <a:solidFill>
+                  <a:srgbClr val="000000"/>
+                </a:solidFill>
+              </a:rPr>
+              <a:t>À la date de constatation finale</a:t>
+            </a:r>
+            <a:r>
+              <a:rPr lang="fr-FR" sz="800" baseline="30000" dirty="0">
+                <a:solidFill>
+                  <a:srgbClr val="000000"/>
+                </a:solidFill>
+              </a:rPr>
+              <a:t>(1)</a:t>
+            </a:r>
+            <a:r>
+              <a:rPr lang="fr-FR" sz="800" dirty="0">
+                <a:solidFill>
+                  <a:srgbClr val="000000"/>
+                </a:solidFill>
+              </a:rPr>
+              <a:t>, si le mécanisme de remboursement anticipé n’a pas été activé au préalable, et si &lt;SJR1&gt; clôture à un &lt;SJR3&gt; supérieur ou égal à &lt;DBAC&gt; de son &lt;NDR&gt;, l’investisseur récupère alors l’intégralité de son capital initial, majorée d’un &lt;GC&gt; de &lt;CPN&gt; &lt;environ&gt; par &lt;F0&gt; &lt;F2&gt; depuis le &lt;DDCI&gt;&lt;exclus&gt;  (soit un &lt;GC&gt; de &lt;GCE&gt; et un taux de rendement annuel net de &lt;TRA.MG.A&gt;</a:t>
+            </a:r>
+            <a:r>
+              <a:rPr lang="fr-FR" sz="800" baseline="30000" dirty="0">
+                <a:solidFill>
+                  <a:srgbClr val="000000"/>
+                </a:solidFill>
+              </a:rPr>
+              <a:t>(2)</a:t>
+            </a:r>
+            <a:r>
+              <a:rPr lang="fr-FR" sz="800" dirty="0">
+                <a:solidFill>
+                  <a:srgbClr val="000000"/>
+                </a:solidFill>
+              </a:rPr>
+              <a:t>). &lt;baliseCM2&gt;</a:t>
+            </a:r>
+          </a:p>
+          <a:p>
+            <a:pPr marL="171450" indent="-171450" algn="just">
+              <a:lnSpc>
+                <a:spcPct val="95000"/>
+              </a:lnSpc>
+              <a:spcAft>
+                <a:spcPts val="200"/>
+              </a:spcAft>
+              <a:buFont typeface="Arial" panose="020B0604020202020204" pitchFamily="34" charset="0"/>
+              <a:buChar char="•"/>
+            </a:pPr>
+            <a:r>
+              <a:rPr lang="fr-FR" sz="800" dirty="0">
+                <a:solidFill>
+                  <a:srgbClr val="000000"/>
+                </a:solidFill>
+              </a:rPr>
+              <a:t>&lt;baliseCM22&gt;</a:t>
+            </a:r>
+          </a:p>
+          <a:p>
+            <a:pPr marL="0" lvl="1" algn="just">
+              <a:lnSpc>
+                <a:spcPct val="95000"/>
+              </a:lnSpc>
+              <a:spcBef>
+                <a:spcPts val="600"/>
+              </a:spcBef>
+            </a:pPr>
+            <a:r>
+              <a:rPr lang="fr-FR" sz="1000" b="1" dirty="0">
+                <a:solidFill>
+                  <a:srgbClr val="B9A049"/>
+                </a:solidFill>
+              </a:rPr>
+              <a:t>INCONVÉNIENTS</a:t>
+            </a:r>
+          </a:p>
+          <a:p>
+            <a:pPr marL="0" lvl="1" algn="just">
+              <a:lnSpc>
+                <a:spcPct val="95000"/>
+              </a:lnSpc>
+              <a:spcBef>
+                <a:spcPts val="600"/>
+              </a:spcBef>
+            </a:pPr>
+            <a:endParaRPr lang="fr-FR" sz="1000" b="1" dirty="0">
+              <a:solidFill>
+                <a:srgbClr val="B9A049"/>
+              </a:solidFill>
+            </a:endParaRPr>
+          </a:p>
+          <a:p>
+            <a:pPr marL="171450" indent="-171450" algn="just">
+              <a:lnSpc>
+                <a:spcPct val="95000"/>
+              </a:lnSpc>
+              <a:spcAft>
+                <a:spcPts val="200"/>
+              </a:spcAft>
+              <a:buFont typeface="Arial" panose="020B0604020202020204" pitchFamily="34" charset="0"/>
+              <a:buChar char="•"/>
+            </a:pPr>
+            <a:r>
+              <a:rPr lang="fr-FR" sz="800" dirty="0">
+                <a:solidFill>
+                  <a:srgbClr val="000000"/>
+                </a:solidFill>
+              </a:rPr>
+              <a:t>« &lt;NOM&gt; » </a:t>
+            </a:r>
+            <a:r>
+              <a:rPr lang="fr-FR" sz="800" b="1" dirty="0">
+                <a:solidFill>
+                  <a:srgbClr val="000000"/>
+                </a:solidFill>
+              </a:rPr>
+              <a:t>présente</a:t>
+            </a:r>
+            <a:r>
+              <a:rPr lang="fr-FR" sz="800" dirty="0">
+                <a:solidFill>
+                  <a:srgbClr val="000000"/>
+                </a:solidFill>
+              </a:rPr>
+              <a:t> </a:t>
+            </a:r>
+            <a:r>
+              <a:rPr lang="fr-FR" sz="800" b="1" dirty="0">
+                <a:solidFill>
+                  <a:srgbClr val="000000"/>
+                </a:solidFill>
+              </a:rPr>
+              <a:t>un risque de perte partielle ou totale du capital en cours de vie </a:t>
+            </a:r>
+            <a:r>
+              <a:rPr lang="fr-FR" sz="800" dirty="0">
+                <a:solidFill>
+                  <a:srgbClr val="000000"/>
+                </a:solidFill>
+              </a:rPr>
+              <a:t>(en cas de revente du produit à l’initiative de l’investisseur alors que les conditions de remboursement automatique ne sont pas remplies, le prix dépendant alors des paramètres de marché le jour de la revente)</a:t>
+            </a:r>
+            <a:r>
+              <a:rPr lang="fr-FR" sz="800" b="1" dirty="0">
+                <a:solidFill>
+                  <a:srgbClr val="000000"/>
+                </a:solidFill>
+              </a:rPr>
+              <a:t> et à l’échéance</a:t>
+            </a:r>
+            <a:r>
+              <a:rPr lang="fr-FR" sz="800" b="1" baseline="30000" dirty="0">
+                <a:solidFill>
+                  <a:srgbClr val="000000"/>
+                </a:solidFill>
+              </a:rPr>
+              <a:t>(1)</a:t>
+            </a:r>
+            <a:r>
+              <a:rPr lang="fr-FR" sz="800" b="1" dirty="0">
+                <a:solidFill>
+                  <a:srgbClr val="000000"/>
+                </a:solidFill>
+              </a:rPr>
+              <a:t> </a:t>
+            </a:r>
+            <a:r>
+              <a:rPr lang="fr-FR" sz="800" dirty="0">
+                <a:solidFill>
+                  <a:srgbClr val="000000"/>
+                </a:solidFill>
+              </a:rPr>
+              <a:t>(si, à la date de constatation finale</a:t>
+            </a:r>
+            <a:r>
+              <a:rPr lang="fr-FR" sz="800" baseline="30000" dirty="0">
+                <a:solidFill>
+                  <a:srgbClr val="000000"/>
+                </a:solidFill>
+              </a:rPr>
+              <a:t>(1)</a:t>
+            </a:r>
+            <a:r>
+              <a:rPr lang="fr-FR" sz="800" dirty="0">
+                <a:solidFill>
+                  <a:srgbClr val="000000"/>
+                </a:solidFill>
+              </a:rPr>
+              <a:t>, &lt;SJR1&gt; enregistre une baisse supérieure à &lt;PDIPERF&gt; de son &lt;NDR&gt;). La valeur du remboursement peut être inférieure au montant du capital initialement investi. Dans le pire des scenarios, les investisseurs peuvent perdre jusqu’à la totalité de leur capital initialement investi. En cas de revente des titres de créance avant la date de remboursement final</a:t>
+            </a:r>
+            <a:r>
+              <a:rPr lang="fr-FR" sz="800" baseline="30000" dirty="0">
+                <a:solidFill>
+                  <a:srgbClr val="000000"/>
+                </a:solidFill>
+              </a:rPr>
+              <a:t>(1)</a:t>
+            </a:r>
+            <a:r>
+              <a:rPr lang="fr-FR" sz="800" dirty="0">
+                <a:solidFill>
+                  <a:srgbClr val="000000"/>
+                </a:solidFill>
+              </a:rPr>
+              <a:t>, il est impossible de mesurer a priori le gain ou la perte possible, le prix pratiqué dépendant alors des paramètres de marché du jour. La perte en capital peut être partielle ou totale. Si le cadre d’investissement du produit est un contrat d’assurance vie ou de capitalisation, le dénouement ou le rachat partiel de celui-ci peut entraîner le désinvestissement des unités de compte adossées aux titres de créance avant leur date de remboursement final</a:t>
+            </a:r>
+            <a:r>
+              <a:rPr lang="fr-FR" sz="800" baseline="30000" dirty="0">
+                <a:solidFill>
+                  <a:srgbClr val="000000"/>
+                </a:solidFill>
+              </a:rPr>
+              <a:t>(1)</a:t>
+            </a:r>
+            <a:r>
+              <a:rPr lang="fr-FR" sz="800" dirty="0">
+                <a:solidFill>
+                  <a:srgbClr val="000000"/>
+                </a:solidFill>
+              </a:rPr>
+              <a:t>.</a:t>
             </a:r>
           </a:p>
           <a:p>
@@ -31760,7 +31509,7 @@
                   <a:srgbClr val="000000"/>
                 </a:solidFill>
               </a:rPr>
-              <a:t>À la date de constatation finale</a:t>
+              <a:t>En cas de revente des titres de créance avant la date de remboursement final</a:t>
             </a:r>
             <a:r>
               <a:rPr lang="fr-FR" sz="800" baseline="30000" dirty="0">
@@ -31776,208 +31525,7 @@
                   <a:srgbClr val="000000"/>
                 </a:solidFill>
               </a:rPr>
-              <a:t>, si le mécanisme de remboursement anticipé n’a pas été activé au préalable, et si &lt;SJR1&gt; clôture à un &lt;SJR3&gt; supérieur ou égal à &lt;DBAC&gt; de son &lt;NDR&gt;, l’investisseur récupère alors l’intégralité de son capital initial, majorée d’un &lt;GC&gt; de &lt;CPN&gt; par &lt;F0&gt; &lt;F2&gt; depuis le &lt;DDCI&gt;  (soit un &lt;GC&gt; de &lt;GCE&gt; et un Taux de Rendement Annuel net de &lt;TRA.MG.A&gt;</a:t>
-            </a:r>
-            <a:r>
-              <a:rPr lang="fr-FR" sz="800" baseline="30000" dirty="0">
-                <a:solidFill>
-                  <a:srgbClr val="000000"/>
-                </a:solidFill>
-              </a:rPr>
-              <a:t>(2)</a:t>
-            </a:r>
-            <a:r>
-              <a:rPr lang="fr-FR" sz="800" dirty="0">
-                <a:solidFill>
-                  <a:srgbClr val="000000"/>
-                </a:solidFill>
-              </a:rPr>
-              <a:t>). &lt;baliseCM2&gt;</a:t>
-            </a:r>
-          </a:p>
-          <a:p>
-            <a:pPr marL="171450" indent="-171450" algn="just">
-              <a:lnSpc>
-                <a:spcPct val="95000"/>
-              </a:lnSpc>
-              <a:spcAft>
-                <a:spcPts val="200"/>
-              </a:spcAft>
-              <a:buFont typeface="Arial" panose="020B0604020202020204" pitchFamily="34" charset="0"/>
-              <a:buChar char="•"/>
-            </a:pPr>
-            <a:r>
-              <a:rPr lang="fr-FR" sz="800" dirty="0">
-                <a:solidFill>
-                  <a:srgbClr val="000000"/>
-                </a:solidFill>
-              </a:rPr>
-              <a:t>&lt;baliseCM22&gt;</a:t>
-            </a:r>
-          </a:p>
-          <a:p>
-            <a:pPr marL="0" lvl="1" algn="just">
-              <a:lnSpc>
-                <a:spcPct val="95000"/>
-              </a:lnSpc>
-              <a:spcBef>
-                <a:spcPts val="600"/>
-              </a:spcBef>
-            </a:pPr>
-            <a:r>
-              <a:rPr lang="fr-FR" sz="1000" b="1" dirty="0">
-                <a:solidFill>
-                  <a:srgbClr val="B9A049"/>
-                </a:solidFill>
-              </a:rPr>
-              <a:t>INCONVÉNIENTS</a:t>
-            </a:r>
-          </a:p>
-          <a:p>
-            <a:pPr marL="0" lvl="1" algn="just">
-              <a:lnSpc>
-                <a:spcPct val="95000"/>
-              </a:lnSpc>
-              <a:spcBef>
-                <a:spcPts val="600"/>
-              </a:spcBef>
-            </a:pPr>
-            <a:endParaRPr lang="fr-FR" sz="1000" b="1" dirty="0">
-              <a:solidFill>
-                <a:srgbClr val="B9A049"/>
-              </a:solidFill>
-            </a:endParaRPr>
-          </a:p>
-          <a:p>
-            <a:pPr marL="171450" indent="-171450" algn="just">
-              <a:lnSpc>
-                <a:spcPct val="95000"/>
-              </a:lnSpc>
-              <a:spcAft>
-                <a:spcPts val="200"/>
-              </a:spcAft>
-              <a:buFont typeface="Arial" panose="020B0604020202020204" pitchFamily="34" charset="0"/>
-              <a:buChar char="•"/>
-            </a:pPr>
-            <a:r>
-              <a:rPr lang="fr-FR" sz="800" dirty="0">
-                <a:solidFill>
-                  <a:srgbClr val="000000"/>
-                </a:solidFill>
-              </a:rPr>
-              <a:t>« &lt;NOM&gt; » </a:t>
-            </a:r>
-            <a:r>
-              <a:rPr lang="fr-FR" sz="800" b="1" dirty="0">
-                <a:solidFill>
-                  <a:srgbClr val="000000"/>
-                </a:solidFill>
-              </a:rPr>
-              <a:t>présente</a:t>
-            </a:r>
-            <a:r>
-              <a:rPr lang="fr-FR" sz="800" dirty="0">
-                <a:solidFill>
-                  <a:srgbClr val="000000"/>
-                </a:solidFill>
-              </a:rPr>
-              <a:t> </a:t>
-            </a:r>
-            <a:r>
-              <a:rPr lang="fr-FR" sz="800" b="1" dirty="0">
-                <a:solidFill>
-                  <a:srgbClr val="000000"/>
-                </a:solidFill>
-              </a:rPr>
-              <a:t>un risque de perte partielle ou totale du capital en cours de vie </a:t>
-            </a:r>
-            <a:r>
-              <a:rPr lang="fr-FR" sz="800" dirty="0">
-                <a:solidFill>
-                  <a:srgbClr val="000000"/>
-                </a:solidFill>
-              </a:rPr>
-              <a:t>(en cas de revente du produit à l’initiative de l’investisseur alors que les conditions de remboursement automatique ne sont pas remplies, le prix dépendant alors des paramètres de marché le jour de la revente)</a:t>
-            </a:r>
-            <a:r>
-              <a:rPr lang="fr-FR" sz="800" b="1" dirty="0">
-                <a:solidFill>
-                  <a:srgbClr val="000000"/>
-                </a:solidFill>
-              </a:rPr>
-              <a:t> et à l’échéance</a:t>
-            </a:r>
-            <a:r>
-              <a:rPr lang="fr-FR" sz="800" b="1" baseline="30000" dirty="0">
-                <a:solidFill>
-                  <a:srgbClr val="000000"/>
-                </a:solidFill>
-              </a:rPr>
-              <a:t>(1)</a:t>
-            </a:r>
-            <a:r>
-              <a:rPr lang="fr-FR" sz="800" b="1" dirty="0">
-                <a:solidFill>
-                  <a:srgbClr val="000000"/>
-                </a:solidFill>
-              </a:rPr>
-              <a:t> </a:t>
-            </a:r>
-            <a:r>
-              <a:rPr lang="fr-FR" sz="800" dirty="0">
-                <a:solidFill>
-                  <a:srgbClr val="000000"/>
-                </a:solidFill>
-              </a:rPr>
-              <a:t>(si, à la date de constatation finale</a:t>
-            </a:r>
-            <a:r>
-              <a:rPr lang="fr-FR" sz="800" baseline="30000" dirty="0">
-                <a:solidFill>
-                  <a:srgbClr val="000000"/>
-                </a:solidFill>
-              </a:rPr>
-              <a:t>(1)</a:t>
-            </a:r>
-            <a:r>
-              <a:rPr lang="fr-FR" sz="800" dirty="0">
-                <a:solidFill>
-                  <a:srgbClr val="000000"/>
-                </a:solidFill>
-              </a:rPr>
-              <a:t>, &lt;SJR1&gt; enregistre une baisse supérieure à &lt;PDIPERF&gt; de son &lt;NDR&gt;). La valeur du remboursement peut être inférieure au montant du capital initialement investi. Dans le pire des scenarios, les investisseurs peuvent perdre jusqu’à la totalité de leur capital initialement investi. En cas de revente des titres de créance avant la date de remboursement final</a:t>
-            </a:r>
-            <a:r>
-              <a:rPr lang="fr-FR" sz="800" baseline="30000" dirty="0">
-                <a:solidFill>
-                  <a:srgbClr val="000000"/>
-                </a:solidFill>
-              </a:rPr>
-              <a:t>(1)</a:t>
-            </a:r>
-            <a:r>
-              <a:rPr lang="fr-FR" sz="800" dirty="0">
-                <a:solidFill>
-                  <a:srgbClr val="000000"/>
-                </a:solidFill>
-              </a:rPr>
-              <a:t>, il est impossible de mesurer a priori le gain ou la perte possible, le prix pratiqué dépendant alors des paramètres de marché du jour. La perte en capital peut être partielle ou totale. Si le cadre d’investissement du produit est un contrat d’assurance vie ou de capitalisation, le dénouement ou le rachat partiel de celui-ci peut entraîner le désinvestissement des unités de compte adossées aux titres de créance avant leur date de remboursement final</a:t>
-            </a:r>
-            <a:r>
-              <a:rPr lang="fr-FR" sz="800" baseline="30000" dirty="0">
-                <a:solidFill>
-                  <a:srgbClr val="000000"/>
-                </a:solidFill>
-              </a:rPr>
-              <a:t>(1)</a:t>
-            </a:r>
-            <a:r>
-              <a:rPr lang="fr-FR" sz="800" dirty="0">
-                <a:solidFill>
-                  <a:srgbClr val="000000"/>
-                </a:solidFill>
-              </a:rPr>
-              <a:t>.</a:t>
+              <a:t>, il est impossible de mesurer a priori le gain ou la perte possible, le prix pratiqué dépendant alors des paramètres de marché du jour. La perte en capital peut être partielle ou totale. Si le cadre d’investissement du produit est un contrat d’assurance vie ou de capitalisation, le dénouement ou le rachat partiel de celui-ci peut entraîner le désinvestissement des unités de compte adossées aux titres de créance avant leur date de remboursement final.</a:t>
             </a:r>
           </a:p>
           <a:p>
@@ -32000,8 +31548,11 @@
           <a:p>
             <a:pPr marL="171450" indent="-171450" algn="just">
               <a:lnSpc>
-                <a:spcPct val="95000"/>
-              </a:lnSpc>
+                <a:spcPct val="92000"/>
+              </a:lnSpc>
+              <a:spcBef>
+                <a:spcPts val="200"/>
+              </a:spcBef>
               <a:spcAft>
                 <a:spcPts val="200"/>
               </a:spcAft>
@@ -32009,19 +31560,55 @@
               <a:buChar char="•"/>
             </a:pPr>
             <a:r>
+              <a:rPr lang="fr-FR" sz="800" b="1" dirty="0">
+                <a:solidFill>
+                  <a:srgbClr val="000000"/>
+                </a:solidFill>
+              </a:rPr>
+              <a:t>L’investisseur est exposé à un éventuel défaut de paiement et/ou de faillite </a:t>
+            </a:r>
+            <a:r>
               <a:rPr lang="fr-FR" sz="800" dirty="0">
                 <a:solidFill>
                   <a:srgbClr val="000000"/>
                 </a:solidFill>
               </a:rPr>
-              <a:t>En cas de revente des titres de créance avant la date de remboursement final(1), il est impossible de mesurer a priori le gain ou la perte possible, le prix pratiqué dépendant alors des paramètres de marché du jour. La perte en capital peut être partielle ou totale. Si le cadre d’investissement du produit est un contrat d’assurance vie ou de capitalisation, le dénouement ou le rachat partiel de celui-ci peut entraîner le désinvestissement des unités de compte adossées aux titres de créance avant leur date de remboursement final.</a:t>
+              <a:t>(qui induit un risque de non remboursement) ou à une </a:t>
+            </a:r>
+            <a:r>
+              <a:rPr lang="fr-FR" sz="800" b="1" dirty="0">
+                <a:solidFill>
+                  <a:srgbClr val="000000"/>
+                </a:solidFill>
+              </a:rPr>
+              <a:t>dégradation de la qualité de crédit</a:t>
+            </a:r>
+            <a:r>
+              <a:rPr lang="fr-FR" sz="800" dirty="0">
+                <a:solidFill>
+                  <a:srgbClr val="000000"/>
+                </a:solidFill>
+              </a:rPr>
+              <a:t> </a:t>
+            </a:r>
+            <a:r>
+              <a:rPr lang="fr-FR" sz="800" dirty="0">
+                <a:solidFill>
+                  <a:srgbClr val="000000"/>
+                </a:solidFill>
+                <a:latin typeface="Proxima Nova Rg" panose="02000506030000020004" pitchFamily="2" charset="0"/>
+              </a:rPr>
+              <a:t>(qui induit un risque sur la valeur de marché du titre de créance) de l’Émetteur.</a:t>
             </a:r>
           </a:p>
           <a:p>
             <a:pPr marL="171450" indent="-171450" algn="just">
               <a:lnSpc>
-                <a:spcPct val="95000"/>
-              </a:lnSpc>
+                <a:spcPct val="92000"/>
+              </a:lnSpc>
+              <a:spcBef>
+                <a:spcPts val="200"/>
+              </a:spcBef>
               <a:spcAft>
                 <a:spcPts val="200"/>
               </a:spcAft>
@@ -32049,20 +31636,63 @@
               <a:buChar char="•"/>
             </a:pPr>
             <a:r>
+              <a:rPr lang="fr-FR" sz="800" dirty="0">
+                <a:solidFill>
+                  <a:srgbClr val="000000"/>
+                </a:solidFill>
+              </a:rPr>
+              <a:t>L’investisseur ne connaît pas à l’avance la durée exacte de son investissement qui peut varier de &lt;DUREE&gt;</a:t>
+            </a:r>
+            <a:r>
               <a:rPr lang="fr-FR" sz="800" b="1" dirty="0">
                 <a:solidFill>
                   <a:srgbClr val="000000"/>
                 </a:solidFill>
               </a:rPr>
-              <a:t>L’investisseur est exposé à un éventuel défaut de paiement et/ou de faillite </a:t>
-            </a:r>
+              <a:t>.</a:t>
+            </a:r>
+          </a:p>
+          <a:p>
+            <a:pPr marL="171450" indent="-171450" algn="just">
+              <a:lnSpc>
+                <a:spcPct val="92000"/>
+              </a:lnSpc>
+              <a:spcBef>
+                <a:spcPts val="200"/>
+              </a:spcBef>
+              <a:spcAft>
+                <a:spcPts val="200"/>
+              </a:spcAft>
+              <a:buFont typeface="Arial" panose="020B0604020202020204" pitchFamily="34" charset="0"/>
+              <a:buChar char="•"/>
+            </a:pPr>
+            <a:endParaRPr lang="fr-FR" sz="800" b="1" dirty="0">
+              <a:solidFill>
+                <a:srgbClr val="000000"/>
+              </a:solidFill>
+            </a:endParaRPr>
+          </a:p>
+          <a:p>
+            <a:pPr marL="171450" indent="-171450" algn="just">
+              <a:lnSpc>
+                <a:spcPct val="92000"/>
+              </a:lnSpc>
+              <a:spcBef>
+                <a:spcPts val="200"/>
+              </a:spcBef>
+              <a:spcAft>
+                <a:spcPts val="200"/>
+              </a:spcAft>
+              <a:buFont typeface="Arial" panose="020B0604020202020204" pitchFamily="34" charset="0"/>
+              <a:buChar char="•"/>
+            </a:pPr>
             <a:r>
               <a:rPr lang="fr-FR" sz="800" dirty="0">
                 <a:solidFill>
                   <a:srgbClr val="000000"/>
                 </a:solidFill>
               </a:rPr>
-              <a:t>(qui induit un risque de non remboursement) ou à une </a:t>
+              <a:t>L’investisseur peut ne bénéficier que d’une hausse partielle &lt;SJR7&gt;, du fait du </a:t>
             </a:r>
             <a:r>
               <a:rPr lang="fr-FR" sz="800" b="1" dirty="0">
@@ -32070,7 +31700,7 @@
                   <a:srgbClr val="000000"/>
                 </a:solidFill>
               </a:rPr>
-              <a:t>dégradation de la qualité de crédit</a:t>
+              <a:t>mécanisme de plafonnement des gains à &lt;CPN&gt; &lt;environ&gt; par &lt;F0&gt; &lt;F2&gt; depuis le &lt;DDCI&gt;&lt;exclus&gt; </a:t>
             </a:r>
             <a:r>
               <a:rPr lang="fr-FR" sz="800" dirty="0">
@@ -32078,16 +31708,35 @@
                   <a:srgbClr val="000000"/>
                 </a:solidFill>
               </a:rPr>
-              <a:t> </a:t>
+              <a:t>(soit un taux de rendement annuel net maximum de &lt;TRA.F.A&gt;</a:t>
+            </a:r>
+            <a:r>
+              <a:rPr lang="fr-FR" sz="800" baseline="30000" dirty="0">
+                <a:solidFill>
+                  <a:srgbClr val="000000"/>
+                </a:solidFill>
+                <a:ea typeface="SimSun" pitchFamily="2" charset="-122"/>
+                <a:cs typeface="Times New Roman" pitchFamily="18" charset="0"/>
+              </a:rPr>
+              <a:t>(2)</a:t>
             </a:r>
             <a:r>
               <a:rPr lang="fr-FR" sz="800" dirty="0">
                 <a:solidFill>
                   <a:srgbClr val="000000"/>
                 </a:solidFill>
-                <a:latin typeface="Proxima Nova Rg" panose="02000506030000020004" pitchFamily="2" charset="0"/>
-              </a:rPr>
-              <a:t>(qui induit un risque sur la valeur de marché du titre de créance) de l’Émetteur.</a:t>
+                <a:ea typeface="SimSun" pitchFamily="2" charset="-122"/>
+                <a:cs typeface="Times New Roman" pitchFamily="18" charset="0"/>
+              </a:rPr>
+              <a:t>)</a:t>
+            </a:r>
+            <a:r>
+              <a:rPr lang="fr-FR" sz="800" dirty="0">
+                <a:solidFill>
+                  <a:srgbClr val="000000"/>
+                </a:solidFill>
+              </a:rPr>
+              <a:t>.</a:t>
             </a:r>
           </a:p>
           <a:p>
@@ -32125,144 +31774,6 @@
               <a:buChar char="•"/>
             </a:pPr>
             <a:r>
-              <a:rPr lang="fr-FR" sz="800" dirty="0">
-                <a:solidFill>
-                  <a:srgbClr val="000000"/>
-                </a:solidFill>
-              </a:rPr>
-              <a:t>L’investisseur ne connaît pas à l’avance la durée exacte de son investissement qui peut varier de </a:t>
-            </a:r>
-            <a:r>
-              <a:rPr lang="fr-FR" sz="800" b="1" dirty="0">
-                <a:solidFill>
-                  <a:srgbClr val="000000"/>
-                </a:solidFill>
-              </a:rPr>
-              <a:t>&lt;1PR&gt; à &lt;DPRR&gt; &lt;F0&gt;&lt;F0s&gt;.</a:t>
-            </a:r>
-          </a:p>
-          <a:p>
-            <a:pPr marL="171450" indent="-171450" algn="just">
-              <a:lnSpc>
-                <a:spcPct val="92000"/>
-              </a:lnSpc>
-              <a:spcBef>
-                <a:spcPts val="200"/>
-              </a:spcBef>
-              <a:spcAft>
-                <a:spcPts val="200"/>
-              </a:spcAft>
-              <a:buFont typeface="Arial" panose="020B0604020202020204" pitchFamily="34" charset="0"/>
-              <a:buChar char="•"/>
-            </a:pPr>
-            <a:endParaRPr lang="fr-FR" sz="800" b="1" dirty="0">
-              <a:solidFill>
-                <a:srgbClr val="000000"/>
-              </a:solidFill>
-            </a:endParaRPr>
-          </a:p>
-          <a:p>
-            <a:pPr marL="171450" indent="-171450" algn="just">
-              <a:lnSpc>
-                <a:spcPct val="92000"/>
-              </a:lnSpc>
-              <a:spcBef>
-                <a:spcPts val="200"/>
-              </a:spcBef>
-              <a:spcAft>
-                <a:spcPts val="200"/>
-              </a:spcAft>
-              <a:buFont typeface="Arial" panose="020B0604020202020204" pitchFamily="34" charset="0"/>
-              <a:buChar char="•"/>
-            </a:pPr>
-            <a:r>
-              <a:rPr lang="fr-FR" sz="800" dirty="0">
-                <a:solidFill>
-                  <a:srgbClr val="000000"/>
-                </a:solidFill>
-              </a:rPr>
-              <a:t>L’investisseur peut ne bénéficier que d’une hausse partielle &lt;SJR7&gt;, du fait du </a:t>
-            </a:r>
-            <a:r>
-              <a:rPr lang="fr-FR" sz="800" b="1" dirty="0">
-                <a:solidFill>
-                  <a:srgbClr val="000000"/>
-                </a:solidFill>
-              </a:rPr>
-              <a:t>mécanisme de plafonnement des gains à &lt;CPN&gt; par &lt;F0&gt; &lt;F2&gt; depuis le &lt;DDCI&gt; </a:t>
-            </a:r>
-            <a:r>
-              <a:rPr lang="fr-FR" sz="800" dirty="0">
-                <a:solidFill>
-                  <a:srgbClr val="000000"/>
-                </a:solidFill>
-              </a:rPr>
-              <a:t>(soit un Taux de Rendement Annuel net maximum de &lt;TRA.F.A&gt;</a:t>
-            </a:r>
-            <a:r>
-              <a:rPr lang="fr-FR" sz="800" baseline="30000" dirty="0">
-                <a:solidFill>
-                  <a:srgbClr val="000000"/>
-                </a:solidFill>
-                <a:ea typeface="SimSun" pitchFamily="2" charset="-122"/>
-                <a:cs typeface="Times New Roman" pitchFamily="18" charset="0"/>
-              </a:rPr>
-              <a:t>(2)</a:t>
-            </a:r>
-            <a:r>
-              <a:rPr lang="fr-FR" sz="800" dirty="0">
-                <a:solidFill>
-                  <a:srgbClr val="000000"/>
-                </a:solidFill>
-                <a:ea typeface="SimSun" pitchFamily="2" charset="-122"/>
-                <a:cs typeface="Times New Roman" pitchFamily="18" charset="0"/>
-              </a:rPr>
-              <a:t>)</a:t>
-            </a:r>
-            <a:r>
-              <a:rPr lang="fr-FR" sz="800" dirty="0">
-                <a:solidFill>
-                  <a:srgbClr val="000000"/>
-                </a:solidFill>
-              </a:rPr>
-              <a:t>.</a:t>
-            </a:r>
-          </a:p>
-          <a:p>
-            <a:pPr marL="171450" indent="-171450" algn="just">
-              <a:lnSpc>
-                <a:spcPct val="92000"/>
-              </a:lnSpc>
-              <a:spcBef>
-                <a:spcPts val="200"/>
-              </a:spcBef>
-              <a:spcAft>
-                <a:spcPts val="200"/>
-              </a:spcAft>
-              <a:buFont typeface="Arial" panose="020B0604020202020204" pitchFamily="34" charset="0"/>
-              <a:buChar char="•"/>
-            </a:pPr>
-            <a:endParaRPr lang="fr-FR" sz="800" dirty="0">
-              <a:solidFill>
-                <a:srgbClr val="000000"/>
-              </a:solidFill>
-            </a:endParaRPr>
-          </a:p>
-          <a:p>
-            <a:pPr marL="171450" indent="-171450" algn="just">
-              <a:lnSpc>
-                <a:spcPct val="92000"/>
-              </a:lnSpc>
-              <a:spcBef>
-                <a:spcPts val="200"/>
-              </a:spcBef>
-              <a:spcAft>
-                <a:spcPts val="200"/>
-              </a:spcAft>
-              <a:buFont typeface="Arial" panose="020B0604020202020204" pitchFamily="34" charset="0"/>
-              <a:buChar char="•"/>
-            </a:pPr>
-            <a:r>
               <a:rPr lang="fr-FR" sz="800" b="1" dirty="0">
                 <a:solidFill>
                   <a:srgbClr val="000000"/>
@@ -32299,11 +31810,8 @@
                 <a:effectLst/>
                 <a:ea typeface="Calibri" panose="020F0502020204030204" pitchFamily="34" charset="0"/>
               </a:rPr>
-              <a:t>. </a:t>
-            </a:r>
-            <a:endParaRPr lang="fr-FR" sz="800" b="1" dirty="0">
-              <a:ea typeface="Calibri" panose="020F0502020204030204" pitchFamily="34" charset="0"/>
-            </a:endParaRPr>
+              <a:t>.</a:t>
+            </a:r>
           </a:p>
           <a:p>
             <a:pPr marL="171450" indent="-171450" algn="just">
@@ -32503,7 +32011,7 @@
         </p:nvSpPr>
         <p:spPr bwMode="auto">
           <a:xfrm>
-            <a:off x="359839" y="9765983"/>
+            <a:off x="357298" y="9720715"/>
             <a:ext cx="6485461" cy="600164"/>
           </a:xfrm>
           <a:prstGeom prst="rect">
@@ -32525,43 +32033,25 @@
           <a:p>
             <a:pPr marL="0" lvl="1" algn="just"/>
             <a:r>
-              <a:rPr lang="fr-FR" sz="650" baseline="30000" dirty="0">
+              <a:rPr lang="fr-FR" sz="650" dirty="0">
                 <a:solidFill>
                   <a:schemeClr val="tx2"/>
                 </a:solidFill>
                 <a:latin typeface="+mn-lt"/>
               </a:rPr>
-              <a:t>(1)</a:t>
-            </a:r>
-            <a:r>
-              <a:rPr lang="fr-FR" sz="650" dirty="0">
-                <a:solidFill>
-                  <a:schemeClr val="tx2"/>
-                </a:solidFill>
-                <a:latin typeface="+mn-lt"/>
-              </a:rPr>
-              <a:t> Veuillez vous référer au tableau récapitulant les principales caractéristiques financières en &lt;PAGE&gt; pour le détail des dates. </a:t>
+              <a:t>(1) Veuillez vous référer au tableau récapitulant les principales caractéristiques financières en &lt;PAGE&gt; pour le détail des dates. </a:t>
             </a:r>
           </a:p>
           <a:p>
             <a:pPr marL="0" lvl="1" algn="just"/>
             <a:r>
-              <a:rPr lang="fr-FR" sz="650" baseline="30000" dirty="0">
+              <a:rPr lang="fr-FR" sz="650" dirty="0">
                 <a:solidFill>
                   <a:schemeClr val="tx2"/>
                 </a:solidFill>
                 <a:latin typeface="+mn-lt"/>
               </a:rPr>
-              <a:t>(2)</a:t>
-            </a:r>
-            <a:r>
-              <a:rPr lang="fr-FR" sz="650" dirty="0">
-                <a:solidFill>
-                  <a:schemeClr val="tx2"/>
-                </a:solidFill>
-                <a:latin typeface="+mn-lt"/>
-              </a:rPr>
-              <a:t> En prenant comme hypothèse 1,00% de frais de gestion du contrat d’assurance vie ou de capitalisation. TRA nets hors autres frais, fiscalité et prélèvements sociaux applicables au cadre d’investissement, et hors défaut de paiement et/ou faillite de l’Émetteur et du Garant de la formule et hors mise en résolution du Garant de la formule. Les TRA sont calculés à partir du &lt;2PDC&gt; jusqu’à la date de remboursement anticipé automatique éventuel</a:t>
+              <a:t>(2) En prenant comme hypothèse 1,00% de frais de gestion du contrat d’assurance vie ou de capitalisation. TRA nets hors autres frais, fiscalité et prélèvements sociaux applicables au cadre d’investissement, et hors défaut de paiement et/ou faillite de l’Émetteur et du Garant de la formule et hors mise en résolution du Garant de la formule. Les TRA sont calculés à partir du &lt;2PDC&gt; jusqu’à la date de remboursement anticipé automatique éventuel</a:t>
             </a:r>
             <a:r>
               <a:rPr lang="fr-FR" sz="650" baseline="30000" dirty="0">
@@ -32954,9 +32444,7 @@
               <a:t>, </a:t>
             </a:r>
             <a:r>
-              <a:rPr lang="fr-FR" sz="800" dirty="0">
-                <a:latin typeface="Proxima Nova Rg" panose="02000506030000020004" pitchFamily="2" charset="0"/>
-              </a:rPr>
+              <a:rPr lang="fr-FR" sz="800" dirty="0"/>
               <a:t>l’investisseur peut recevoir un coupon de &lt;CPN&gt; dès lors que &lt;SJR1&gt; clôture à un &lt;SJR3&gt; supérieur ou égal à &lt;ABAC2&gt;</a:t>
             </a:r>
             <a:r>
@@ -32967,7 +32455,7 @@
                 <a:ea typeface="SimSun" pitchFamily="2" charset="-122"/>
                 <a:cs typeface="Times New Roman" pitchFamily="18" charset="0"/>
               </a:rPr>
-              <a:t>. &lt;Mémoire3&gt;</a:t>
+              <a:t>.</a:t>
             </a:r>
           </a:p>
           <a:p>
@@ -32981,13 +32469,16 @@
               <a:buFont typeface="Arial" panose="020B0604020202020204" pitchFamily="34" charset="0"/>
               <a:buChar char="•"/>
             </a:pPr>
-            <a:endParaRPr lang="fr-FR" sz="800" dirty="0">
-              <a:solidFill>
-                <a:srgbClr val="000000"/>
-              </a:solidFill>
-              <a:ea typeface="SimSun" pitchFamily="2" charset="-122"/>
-              <a:cs typeface="Times New Roman" pitchFamily="18" charset="0"/>
-            </a:endParaRPr>
+            <a:r>
+              <a:rPr lang="fr-FR" sz="800" dirty="0">
+                <a:solidFill>
+                  <a:srgbClr val="000000"/>
+                </a:solidFill>
+                <a:ea typeface="SimSun" pitchFamily="2" charset="-122"/>
+                <a:cs typeface="Times New Roman" pitchFamily="18" charset="0"/>
+              </a:rPr>
+              <a:t>&lt;Mémoire3&gt;</a:t>
+            </a:r>
           </a:p>
           <a:p>
             <a:pPr marL="171450" indent="-171450" algn="just">
@@ -33006,7 +32497,7 @@
                   <a:srgbClr val="000000"/>
                 </a:solidFill>
               </a:rPr>
-              <a:t>A l’issue &lt;DU&gt; &lt;F0&gt; &lt;1PR&gt; à &lt;ADPR&gt;, si à l’une des dates de constatation &lt;F1&gt; correspondantes</a:t>
+              <a:t>De la fin &lt;DU&gt; &lt;F0&gt; &lt;1PR&gt; jusqu'à la fin &lt;DU&gt; &lt;F0&gt; &lt;ADPR&gt;, si à l’une des dates de constatation &lt;F1&gt; correspondantes</a:t>
             </a:r>
             <a:r>
               <a:rPr lang="fr-FR" sz="800" baseline="30000" dirty="0">
@@ -33022,7 +32513,7 @@
                   <a:srgbClr val="000000"/>
                 </a:solidFill>
               </a:rPr>
-              <a:t> ,&lt;SJR1&gt; clôture à un &lt;SJR3&gt; supérieur ou égal à &lt;ABAC&gt;, </a:t>
+              <a:t> &lt;SJR1&gt; clôture à un &lt;SJR3&gt; supérieur ou égal à &lt;ABAC&gt;, </a:t>
             </a:r>
             <a:r>
               <a:rPr lang="fr-FR" sz="800" b="1" dirty="0">
@@ -33038,41 +32529,17 @@
                   <a:srgbClr val="000000"/>
                 </a:solidFill>
               </a:rPr>
-              <a:t>et l’investisseur récupère alors l’intégralité de son capital initial majorée du coupon de &lt;CPN&gt; &lt;Mémoire6&gt; (soit un Taux de Rendement Annuel net maximum de</a:t>
-            </a:r>
-            <a:r>
-              <a:rPr lang="fr-FR" sz="800" dirty="0">
+              <a:t>et l’investisseur récupère alors l’intégralité de son capital initial majorée du coupon de &lt;CPN&gt; &lt;Mémoire6&gt; (soit un taux de rendement annuel net maximum de &lt;TRA.MRA.MAX.P&gt;</a:t>
+            </a:r>
+            <a:r>
+              <a:rPr lang="fr-FR" sz="800" baseline="30000" dirty="0">
                 <a:solidFill>
                   <a:srgbClr val="000000"/>
                 </a:solidFill>
-                <a:highlight>
-                  <a:srgbClr val="00FFFF"/>
-                </a:highlight>
-              </a:rPr>
-              <a:t>&lt;TRA.MAX.P&gt;</a:t>
-            </a:r>
-            <a:r>
-              <a:rPr lang="fr-FR" sz="800" baseline="30000" dirty="0">
-                <a:solidFill>
-                  <a:srgbClr val="000000"/>
-                </a:solidFill>
-                <a:highlight>
-                  <a:srgbClr val="00FFFF"/>
-                </a:highlight>
                 <a:ea typeface="SimSun" pitchFamily="2" charset="-122"/>
                 <a:cs typeface="Times New Roman" pitchFamily="18" charset="0"/>
               </a:rPr>
-              <a:t>(</a:t>
-            </a:r>
-            <a:r>
-              <a:rPr lang="fr-FR" sz="800" baseline="30000" dirty="0">
-                <a:solidFill>
-                  <a:srgbClr val="000000"/>
-                </a:solidFill>
-                <a:ea typeface="SimSun" pitchFamily="2" charset="-122"/>
-                <a:cs typeface="Times New Roman" pitchFamily="18" charset="0"/>
-              </a:rPr>
-              <a:t>2)</a:t>
+              <a:t>(2)</a:t>
             </a:r>
             <a:r>
               <a:rPr lang="fr-FR" sz="800" dirty="0">
@@ -33096,43 +32563,29 @@
               <a:buFont typeface="Arial" panose="020B0604020202020204" pitchFamily="34" charset="0"/>
               <a:buChar char="•"/>
             </a:pPr>
-            <a:endParaRPr lang="fr-FR" sz="800" dirty="0">
-              <a:solidFill>
-                <a:srgbClr val="000000"/>
-              </a:solidFill>
-              <a:ea typeface="SimSun" pitchFamily="2" charset="-122"/>
-              <a:cs typeface="Times New Roman" pitchFamily="18" charset="0"/>
-            </a:endParaRPr>
-          </a:p>
-          <a:p>
-            <a:pPr marL="171450" indent="-171450" algn="just">
-              <a:lnSpc>
-                <a:spcPct val="95000"/>
-              </a:lnSpc>
-              <a:spcAft>
-                <a:spcPts val="200"/>
-              </a:spcAft>
-              <a:buFont typeface="Arial" panose="020B0604020202020204" pitchFamily="34" charset="0"/>
-              <a:buChar char="•"/>
-            </a:pPr>
             <a:r>
               <a:rPr lang="fr-FR" sz="800" dirty="0">
                 <a:solidFill>
                   <a:srgbClr val="000000"/>
                 </a:solidFill>
               </a:rPr>
-              <a:t>Sinon, si le mécanisme de remboursement anticipé n’a pas été activé au préalable, et si à la date de constatation finale &lt;SJR1&gt; clôture à un &lt;SJR3&gt; supérieur ou égal à &lt;PDI&gt; de son &lt;NDR&gt;, l’investisseur récupère alors l’intégralité de son capital initialement investi (soit un Taux de Rendement Annuel net maximum de </a:t>
+              <a:t>À la date de constatation finale</a:t>
+            </a:r>
+            <a:r>
+              <a:rPr lang="fr-FR" sz="800" baseline="30000" dirty="0">
+                <a:solidFill>
+                  <a:srgbClr val="000000"/>
+                </a:solidFill>
+              </a:rPr>
+              <a:t>(1)</a:t>
             </a:r>
             <a:r>
               <a:rPr lang="fr-FR" sz="800" dirty="0">
                 <a:solidFill>
                   <a:srgbClr val="000000"/>
                 </a:solidFill>
-                <a:highlight>
-                  <a:srgbClr val="00FFFF"/>
-                </a:highlight>
-              </a:rPr>
-              <a:t>&lt;TRA.TOUT.P&gt;</a:t>
+              </a:rPr>
+              <a:t>, si le mécanisme de remboursement anticipé n’a pas été activé au préalable, et si &lt;SJR1&gt; clôture à un &lt;SJR3&gt; supérieur ou égal à &lt;PDI&gt; de son &lt;NDR&gt;, l’investisseur récupère alors l’intégralité de son capital initial (soit un taux de rendement annuel net maximum de &lt;TRA.TOUT.P&gt;</a:t>
             </a:r>
             <a:r>
               <a:rPr lang="fr-FR" sz="800" baseline="30000" dirty="0">
@@ -33479,7 +32932,7 @@
                   <a:srgbClr val="000000"/>
                 </a:solidFill>
               </a:rPr>
-              <a:t>L’investisseur ne connaît pas à l’avance la durée exacte de son investissement qui peut varier de </a:t>
+              <a:t>L’investisseur ne connaît pas à l’avance la durée exacte de son investissement qui peut varier de &lt;DUREE&gt;</a:t>
             </a:r>
             <a:r>
               <a:rPr lang="fr-FR" sz="800" b="1" dirty="0">
@@ -33487,7 +32940,7 @@
                   <a:srgbClr val="000000"/>
                 </a:solidFill>
               </a:rPr>
-              <a:t>&lt;1PR&gt; à &lt;DPRR&gt; &lt;F0&gt;&lt;F0s&gt;.</a:t>
+              <a:t>.</a:t>
             </a:r>
           </a:p>
           <a:p>
@@ -33538,7 +32991,7 @@
                   <a:srgbClr val="000000"/>
                 </a:solidFill>
               </a:rPr>
-              <a:t>mécanisme de plafonnement des gains à &lt;CPN&gt; par &lt;F0&gt; </a:t>
+              <a:t>mécanisme de plafonnement des gains à &lt;CPN&gt; &lt;environ&gt; par &lt;F0&gt; </a:t>
             </a:r>
             <a:r>
               <a:rPr lang="fr-FR" sz="800" dirty="0">
@@ -33546,26 +32999,15 @@
                   <a:srgbClr val="000000"/>
                 </a:solidFill>
               </a:rPr>
-              <a:t>(soit un Taux de Rendement Annuel net maximum de de de </a:t>
-            </a:r>
-            <a:r>
-              <a:rPr lang="fr-FR" sz="800" dirty="0">
+              <a:t>(soit un taux de rendement annuel net maximum de &lt;TRA.TOUT.P&gt;</a:t>
+            </a:r>
+            <a:r>
+              <a:rPr lang="fr-FR" sz="800" baseline="30000" dirty="0">
                 <a:solidFill>
                   <a:srgbClr val="000000"/>
                 </a:solidFill>
-                <a:highlight>
-                  <a:srgbClr val="00FFFF"/>
-                </a:highlight>
-              </a:rPr>
-              <a:t>&lt;TRA.TOUT.P&gt;</a:t>
-            </a:r>
-            <a:r>
-              <a:rPr lang="fr-FR" sz="800" baseline="30000" dirty="0">
-                <a:solidFill>
-                  <a:srgbClr val="000000"/>
-                </a:solidFill>
-              </a:rPr>
-              <a:t>( </a:t>
+              </a:rPr>
+              <a:t>(</a:t>
             </a:r>
             <a:r>
               <a:rPr lang="fr-FR" sz="800" baseline="30000" dirty="0">
@@ -33636,7 +33078,7 @@
                   <a:srgbClr val="000000"/>
                 </a:solidFill>
               </a:rPr>
-              <a:t>Le rendement de « &lt;NOM&gt; » est très sensible à une faible variation du &lt;SJR3&gt; de clôture &lt;SJR7&gt; autour du seuil de </a:t>
+              <a:t>Le rendement de « &lt;NOM&gt; » est très sensible à une faible variation du &lt;SJR3&gt; de clôture &lt;SJR7&gt; autour des seuils de </a:t>
             </a:r>
             <a:r>
               <a:rPr lang="fr-FR" sz="800" dirty="0">
@@ -33646,7 +33088,7 @@
                 <a:effectLst/>
                 <a:ea typeface="Calibri" panose="020F0502020204030204" pitchFamily="34" charset="0"/>
               </a:rPr>
-              <a:t>&lt;ABAC2&gt; &lt;EBAC&gt; &lt;DESONNDR&gt; </a:t>
+              <a:t>&lt;ABAC2&gt; et &lt;ABAC&gt; &lt;DESONNDR&gt; </a:t>
             </a:r>
             <a:r>
               <a:rPr lang="fr-FR" sz="800" dirty="0">
@@ -33660,17 +33102,10 @@
                 <a:effectLst/>
                 <a:ea typeface="Calibri" panose="020F0502020204030204" pitchFamily="34" charset="0"/>
               </a:rPr>
-              <a:t>(1</a:t>
-            </a:r>
-            <a:r>
-              <a:rPr lang="fr-FR" sz="800" b="1" baseline="30000" dirty="0">
-                <a:effectLst/>
-                <a:ea typeface="Calibri" panose="020F0502020204030204" pitchFamily="34" charset="0"/>
-              </a:rPr>
-              <a:t>)</a:t>
-            </a:r>
-            <a:r>
-              <a:rPr lang="fr-FR" sz="800" b="1" dirty="0">
+              <a:t>(1)</a:t>
+            </a:r>
+            <a:r>
+              <a:rPr lang="fr-FR" sz="800" dirty="0">
                 <a:effectLst/>
                 <a:ea typeface="Calibri" panose="020F0502020204030204" pitchFamily="34" charset="0"/>
               </a:rPr>
@@ -33900,7 +33335,7 @@
         </p:nvSpPr>
         <p:spPr bwMode="auto">
           <a:xfrm>
-            <a:off x="359409" y="9771581"/>
+            <a:off x="359409" y="9700540"/>
             <a:ext cx="6483350" cy="700192"/>
           </a:xfrm>
           <a:prstGeom prst="rect">
@@ -33922,43 +33357,25 @@
           <a:p>
             <a:pPr marL="0" lvl="1" algn="just"/>
             <a:r>
-              <a:rPr lang="fr-FR" sz="650" baseline="30000" dirty="0">
+              <a:rPr lang="fr-FR" sz="650" dirty="0">
                 <a:solidFill>
                   <a:schemeClr val="tx2"/>
                 </a:solidFill>
                 <a:latin typeface="+mn-lt"/>
               </a:rPr>
-              <a:t>(1)</a:t>
-            </a:r>
-            <a:r>
-              <a:rPr lang="fr-FR" sz="650" dirty="0">
-                <a:solidFill>
-                  <a:schemeClr val="tx2"/>
-                </a:solidFill>
-                <a:latin typeface="+mn-lt"/>
-              </a:rPr>
-              <a:t> Veuillez vous référer au tableau récapitulant les principales caractéristiques financières en &lt;PAGE&gt; pour le détail des dates. </a:t>
+              <a:t>(1) Veuillez vous référer au tableau récapitulant les principales caractéristiques financières en &lt;PAGE&gt; pour le détail des dates. </a:t>
             </a:r>
           </a:p>
           <a:p>
             <a:pPr marL="0" lvl="1" algn="just"/>
             <a:r>
-              <a:rPr lang="fr-FR" sz="650" baseline="30000" dirty="0">
+              <a:rPr lang="fr-FR" sz="650" dirty="0">
                 <a:solidFill>
                   <a:schemeClr val="tx2"/>
                 </a:solidFill>
                 <a:latin typeface="+mn-lt"/>
               </a:rPr>
-              <a:t>(2)</a:t>
-            </a:r>
-            <a:r>
-              <a:rPr lang="fr-FR" sz="650" dirty="0">
-                <a:solidFill>
-                  <a:schemeClr val="tx2"/>
-                </a:solidFill>
-                <a:latin typeface="+mn-lt"/>
-              </a:rPr>
-              <a:t> En prenant comme hypothèse 1,00% de frais de gestion du contrat d’assurance vie ou de capitalisation. TRA nets hors autres frais, fiscalité et prélèvements sociaux applicables au cadre d’investissement, et hors défaut de paiement et/ou faillite de l’Émetteur et du Garant de la formule et hors mise en résolution du Garant de la formule. Les TRA sont calculés à partir du &lt;2PDC&gt; jusqu’à la date de remboursement anticipé automatique éventuel</a:t>
+              <a:t>(2) En prenant comme hypothèse 1,00% de frais de gestion du contrat d’assurance vie ou de capitalisation. TRA nets hors autres frais, fiscalité et prélèvements sociaux applicables au cadre d’investissement, et hors défaut de paiement et/ou faillite de l’Émetteur et du Garant de la formule et hors mise en résolution du Garant de la formule. Les TRA sont calculés à partir du &lt;2PDC&gt; jusqu’à la date de remboursement anticipé automatique éventuel</a:t>
             </a:r>
             <a:r>
               <a:rPr lang="fr-FR" sz="650" baseline="30000" dirty="0">
@@ -34000,22 +33417,13 @@
           <a:p>
             <a:pPr marL="0" lvl="1" algn="just"/>
             <a:r>
-              <a:rPr lang="fr-FR" sz="650" baseline="30000" dirty="0">
+              <a:rPr lang="fr-FR" sz="650" dirty="0">
                 <a:solidFill>
                   <a:schemeClr val="tx2"/>
                 </a:solidFill>
                 <a:latin typeface="+mn-lt"/>
               </a:rPr>
-              <a:t>(3) </a:t>
-            </a:r>
-            <a:r>
-              <a:rPr lang="fr-FR" sz="650" dirty="0">
-                <a:solidFill>
-                  <a:schemeClr val="tx2"/>
-                </a:solidFill>
-                <a:latin typeface="+mn-lt"/>
-              </a:rPr>
-              <a:t>Hors prise en compte des dividendes éventuels détachés par </a:t>
+              <a:t>(3) Hors prise en compte des dividendes éventuels détachés par </a:t>
             </a:r>
             <a:r>
               <a:rPr lang="it-IT" sz="650" dirty="0">
@@ -34509,7 +33917,19 @@
               <a:rPr lang="fr-FR" sz="800" b="0" dirty="0">
                 <a:latin typeface="+mn-lt"/>
               </a:rPr>
-              <a:t>Dès la première date de constatation du mécanisme de remboursement anticipé automatique, &lt;SJR1&gt; clôture à un &lt;SJR3&gt; supérieur ou égal à &lt;ABAC&gt;</a:t>
+              <a:t>Dès la première date de constatation du mécanisme de remboursement anticipé automatique</a:t>
+            </a:r>
+            <a:r>
+              <a:rPr lang="fr-FR" sz="800" b="0" baseline="30000" dirty="0">
+                <a:latin typeface="+mn-lt"/>
+              </a:rPr>
+              <a:t>(1)</a:t>
+            </a:r>
+            <a:r>
+              <a:rPr lang="fr-FR" sz="800" b="0" dirty="0">
+                <a:latin typeface="+mn-lt"/>
+              </a:rPr>
+              <a:t>, &lt;SJR1&gt; clôture à un &lt;SJR3&gt; supérieur ou égal à &lt;ABAC&gt;</a:t>
             </a:r>
           </a:p>
         </p:txBody>
@@ -34530,7 +33950,7 @@
         </p:nvSpPr>
         <p:spPr>
           <a:xfrm>
-            <a:off x="458459" y="9282268"/>
+            <a:off x="357721" y="9373722"/>
             <a:ext cx="6739266" cy="396000"/>
           </a:xfrm>
           <a:prstGeom prst="rect">
@@ -34822,7 +34242,7 @@
               <a:rPr lang="fr-FR" sz="800" dirty="0">
                 <a:latin typeface="+mn-lt"/>
               </a:rPr>
-              <a:t>du &lt;F0&gt;&lt;F0s&gt; &lt;1PR&gt; à &lt;ADPR&gt;</a:t>
+              <a:t>&lt;PERIODE_DE_REMBOURSEMENT2&gt;</a:t>
             </a:r>
             <a:r>
               <a:rPr lang="fr-FR" sz="800" dirty="0"/>
@@ -34985,7 +34405,7 @@
               <a:rPr lang="fr-FR" sz="800" dirty="0">
                 <a:latin typeface="+mn-lt"/>
               </a:rPr>
-              <a:t> des &lt;F0&gt;&lt;F0s&gt; &lt;1PR&gt; à &lt;ADPR&gt;, &lt;SJR1&gt; clôture à </a:t>
+              <a:t> &lt;PERIODE_DE_REMBOURSEMENT2&gt;, &lt;SJR1&gt; clôture à </a:t>
             </a:r>
             <a:r>
               <a:rPr lang="fr-FR" sz="800" dirty="0">
@@ -35167,7 +34587,7 @@
         <p:spPr>
           <a:xfrm>
             <a:off x="4008562" y="7334571"/>
-            <a:ext cx="3239378" cy="1308050"/>
+            <a:ext cx="3239378" cy="1431161"/>
           </a:xfrm>
           <a:prstGeom prst="rect">
             <a:avLst/>
@@ -35238,32 +34658,15 @@
                 </a:solidFill>
                 <a:latin typeface="Proxima Nova Rg" panose="02000506030000020004" pitchFamily="2" charset="0"/>
               </a:rPr>
-              <a:t>un &lt;SJR3</a:t>
-            </a:r>
-            <a:r>
-              <a:rPr lang="fr-FR" sz="800">
+              <a:t>un &lt;SJR3&gt; supérieur à &lt;ABAC&gt; </a:t>
+            </a:r>
+            <a:r>
+              <a:rPr lang="fr-FR" sz="800" dirty="0">
                 <a:solidFill>
                   <a:schemeClr val="tx2"/>
                 </a:solidFill>
-                <a:latin typeface="Proxima Nova Rg" panose="02000506030000020004" pitchFamily="2" charset="0"/>
-              </a:rPr>
-              <a:t>&gt; supérieur à &lt;ABAC&gt; </a:t>
-            </a:r>
-            <a:r>
-              <a:rPr lang="fr-FR" sz="800">
-                <a:solidFill>
-                  <a:schemeClr val="tx2"/>
-                </a:solidFill>
-              </a:rPr>
-              <a:t>(&lt;</a:t>
-            </a:r>
-            <a:r>
-              <a:rPr lang="fr-FR" sz="800" dirty="0">
-                <a:solidFill>
-                  <a:schemeClr val="tx2"/>
-                </a:solidFill>
-              </a:rPr>
-              <a:t>NSF&gt; dans cet exemple). Le produit est automatiquement remboursé par anticipation. Il verse alors l’intégralité du capital initial majorée d’un &lt;GC&gt; de &lt;CPN&gt; par &lt;F0&gt; &lt;F2&gt; depuis le &lt;DDCI&gt;, soit un gain de &lt;GCA&gt; dans notre exemple.</a:t>
+              </a:rPr>
+              <a:t>(&lt;NSF&gt; dans cet exemple). Le produit est automatiquement remboursé par anticipation. Il verse alors l’intégralité du capital initial majorée d’un &lt;GC&gt; de &lt;CPN&gt; &lt;environ&gt; par &lt;F0&gt; &lt;F2&gt; depuis le &lt;DDCI&gt;&lt;exclus&gt;, soit un gain de &lt;CPR1&gt; dans notre exemple.</a:t>
             </a:r>
           </a:p>
           <a:p>
@@ -35310,7 +34713,7 @@
                   <a:schemeClr val="tx2"/>
                 </a:solidFill>
               </a:rPr>
-              <a:t>mécanisme de plafonnement des gains à &lt;CPN&gt; par &lt;F0&gt; &lt;F2&gt; depuis le &lt;DDCI&gt;.</a:t>
+              <a:t>mécanisme de plafonnement des gains à &lt;CPN&gt; &lt;environ&gt; par &lt;F0&gt; &lt;F2&gt; depuis le &lt;DDCI&gt;&lt;exclus&gt;.</a:t>
             </a:r>
           </a:p>
         </p:txBody>
@@ -36217,27 +35620,6 @@
 </file>
 
 <file path=customXml/item1.xml><?xml version="1.0" encoding="utf-8"?>
-<p:properties xmlns:p="http://schemas.microsoft.com/office/2006/metadata/properties" xmlns:xsi="http://www.w3.org/2001/XMLSchema-instance" xmlns:pc="http://schemas.microsoft.com/office/infopath/2007/PartnerControls">
-  <documentManagement>
-    <_Flow_SignoffStatus xmlns="ef624bc2-1644-4d69-8362-5c28ca496374" xsi:nil="true"/>
-    <TaxCatchAll xmlns="514a554b-82b0-4359-b247-fc84018a95f0" xsi:nil="true"/>
-    <lcf76f155ced4ddcb4097134ff3c332f xmlns="ef624bc2-1644-4d69-8362-5c28ca496374">
-      <Terms xmlns="http://schemas.microsoft.com/office/infopath/2007/PartnerControls"/>
-    </lcf76f155ced4ddcb4097134ff3c332f>
-  </documentManagement>
-</p:properties>
-</file>
-
-<file path=customXml/item2.xml><?xml version="1.0" encoding="utf-8"?>
-<?mso-contentType ?>
-<FormTemplates xmlns="http://schemas.microsoft.com/sharepoint/v3/contenttype/forms">
-  <Display>DocumentLibraryForm</Display>
-  <Edit>DocumentLibraryForm</Edit>
-  <New>DocumentLibraryForm</New>
-</FormTemplates>
-</file>
-
-<file path=customXml/item3.xml><?xml version="1.0" encoding="utf-8"?>
 <ct:contentTypeSchema xmlns:ct="http://schemas.microsoft.com/office/2006/metadata/contentType" xmlns:ma="http://schemas.microsoft.com/office/2006/metadata/properties/metaAttributes" ct:_="" ma:_="" ma:contentTypeName="Document" ma:contentTypeID="0x0101005DDE610BC516E448BB8152259F39635A" ma:contentTypeVersion="17" ma:contentTypeDescription="Crée un document." ma:contentTypeScope="" ma:versionID="bfb75e103009df80b8e5001438c41194">
   <xsd:schema xmlns:xsd="http://www.w3.org/2001/XMLSchema" xmlns:xs="http://www.w3.org/2001/XMLSchema" xmlns:p="http://schemas.microsoft.com/office/2006/metadata/properties" xmlns:ns2="ef624bc2-1644-4d69-8362-5c28ca496374" xmlns:ns3="514a554b-82b0-4359-b247-fc84018a95f0" targetNamespace="http://schemas.microsoft.com/office/2006/metadata/properties" ma:root="true" ma:fieldsID="2ae3df86d13efbb4a35042af2564d386" ns2:_="" ns3:_="">
     <xsd:import namespace="ef624bc2-1644-4d69-8362-5c28ca496374"/>
@@ -36486,32 +35868,28 @@
 </ct:contentTypeSchema>
 </file>
 
-<file path=customXml/itemProps1.xml><?xml version="1.0" encoding="utf-8"?>
-<ds:datastoreItem xmlns:ds="http://schemas.openxmlformats.org/officeDocument/2006/customXml" ds:itemID="{25DE574B-2CD2-4078-9BEA-2A14717D9698}">
-  <ds:schemaRefs>
-    <ds:schemaRef ds:uri="514a554b-82b0-4359-b247-fc84018a95f0"/>
-    <ds:schemaRef ds:uri="ef624bc2-1644-4d69-8362-5c28ca496374"/>
-    <ds:schemaRef ds:uri="http://purl.org/dc/dcmitype/"/>
-    <ds:schemaRef ds:uri="http://purl.org/dc/elements/1.1/"/>
-    <ds:schemaRef ds:uri="http://purl.org/dc/terms/"/>
-    <ds:schemaRef ds:uri="http://schemas.microsoft.com/office/2006/documentManagement/types"/>
-    <ds:schemaRef ds:uri="http://schemas.microsoft.com/office/2006/metadata/properties"/>
-    <ds:schemaRef ds:uri="http://schemas.microsoft.com/office/infopath/2007/PartnerControls"/>
-    <ds:schemaRef ds:uri="http://schemas.openxmlformats.org/package/2006/metadata/core-properties"/>
-    <ds:schemaRef ds:uri="http://www.w3.org/XML/1998/namespace"/>
-  </ds:schemaRefs>
-</ds:datastoreItem>
+<file path=customXml/item2.xml><?xml version="1.0" encoding="utf-8"?>
+<?mso-contentType ?>
+<FormTemplates xmlns="http://schemas.microsoft.com/sharepoint/v3/contenttype/forms">
+  <Display>DocumentLibraryForm</Display>
+  <Edit>DocumentLibraryForm</Edit>
+  <New>DocumentLibraryForm</New>
+</FormTemplates>
 </file>
 
-<file path=customXml/itemProps2.xml><?xml version="1.0" encoding="utf-8"?>
-<ds:datastoreItem xmlns:ds="http://schemas.openxmlformats.org/officeDocument/2006/customXml" ds:itemID="{B00FC41E-FBDE-42E2-B58A-20EBD240A376}">
-  <ds:schemaRefs>
-    <ds:schemaRef ds:uri="http://schemas.microsoft.com/sharepoint/v3/contenttype/forms"/>
-  </ds:schemaRefs>
-</ds:datastoreItem>
+<file path=customXml/item3.xml><?xml version="1.0" encoding="utf-8"?>
+<p:properties xmlns:p="http://schemas.microsoft.com/office/2006/metadata/properties" xmlns:xsi="http://www.w3.org/2001/XMLSchema-instance" xmlns:pc="http://schemas.microsoft.com/office/infopath/2007/PartnerControls">
+  <documentManagement>
+    <_Flow_SignoffStatus xmlns="ef624bc2-1644-4d69-8362-5c28ca496374" xsi:nil="true"/>
+    <TaxCatchAll xmlns="514a554b-82b0-4359-b247-fc84018a95f0" xsi:nil="true"/>
+    <lcf76f155ced4ddcb4097134ff3c332f xmlns="ef624bc2-1644-4d69-8362-5c28ca496374">
+      <Terms xmlns="http://schemas.microsoft.com/office/infopath/2007/PartnerControls"/>
+    </lcf76f155ced4ddcb4097134ff3c332f>
+  </documentManagement>
+</p:properties>
 </file>
 
-<file path=customXml/itemProps3.xml><?xml version="1.0" encoding="utf-8"?>
+<file path=customXml/itemProps1.xml><?xml version="1.0" encoding="utf-8"?>
 <ds:datastoreItem xmlns:ds="http://schemas.openxmlformats.org/officeDocument/2006/customXml" ds:itemID="{DE898DE2-83E7-42CE-B7CD-9C9DF4B16BA4}">
   <ds:schemaRefs>
     <ds:schemaRef ds:uri="http://schemas.microsoft.com/office/2006/metadata/contentType"/>
@@ -36528,4 +35906,29 @@
     <ds:schemaRef ds:uri="http://schemas.microsoft.com/internal/obd"/>
   </ds:schemaRefs>
 </ds:datastoreItem>
+</file>
+
+<file path=customXml/itemProps2.xml><?xml version="1.0" encoding="utf-8"?>
+<ds:datastoreItem xmlns:ds="http://schemas.openxmlformats.org/officeDocument/2006/customXml" ds:itemID="{B00FC41E-FBDE-42E2-B58A-20EBD240A376}">
+  <ds:schemaRefs>
+    <ds:schemaRef ds:uri="http://schemas.microsoft.com/sharepoint/v3/contenttype/forms"/>
+  </ds:schemaRefs>
+</ds:datastoreItem>
+</file>
+
+<file path=customXml/itemProps3.xml><?xml version="1.0" encoding="utf-8"?>
+<ds:datastoreItem xmlns:ds="http://schemas.openxmlformats.org/officeDocument/2006/customXml" ds:itemID="{25DE574B-2CD2-4078-9BEA-2A14717D9698}">
+  <ds:schemaRefs>
+    <ds:schemaRef ds:uri="514a554b-82b0-4359-b247-fc84018a95f0"/>
+    <ds:schemaRef ds:uri="ef624bc2-1644-4d69-8362-5c28ca496374"/>
+    <ds:schemaRef ds:uri="http://purl.org/dc/dcmitype/"/>
+    <ds:schemaRef ds:uri="http://purl.org/dc/elements/1.1/"/>
+    <ds:schemaRef ds:uri="http://purl.org/dc/terms/"/>
+    <ds:schemaRef ds:uri="http://schemas.microsoft.com/office/2006/documentManagement/types"/>
+    <ds:schemaRef ds:uri="http://schemas.microsoft.com/office/2006/metadata/properties"/>
+    <ds:schemaRef ds:uri="http://schemas.microsoft.com/office/infopath/2007/PartnerControls"/>
+    <ds:schemaRef ds:uri="http://schemas.openxmlformats.org/package/2006/metadata/core-properties"/>
+    <ds:schemaRef ds:uri="http://www.w3.org/XML/1998/namespace"/>
+  </ds:schemaRefs>
+</ds:datastoreItem>
 </file>
--- a/Templates/Morgan Stanley.pptx
+++ b/Templates/Morgan Stanley.pptx
@@ -238,7 +238,7 @@
           <a:p>
             <a:fld id="{515CCE07-1711-4DC7-A7D8-7ED312C82FB8}" type="datetimeFigureOut">
               <a:rPr lang="fr-FR" smtClean="0"/>
-              <a:t>15/07/2022</a:t>
+              <a:t>19/07/2022</a:t>
             </a:fld>
             <a:endParaRPr lang="fr-FR"/>
           </a:p>
@@ -6236,7 +6236,7 @@
           <p:nvPr>
             <p:extLst>
               <p:ext uri="{D42A27DB-BD31-4B8C-83A1-F6EECF244321}">
-                <p14:modId xmlns:p14="http://schemas.microsoft.com/office/powerpoint/2010/main" val="3648479794"/>
+                <p14:modId xmlns:p14="http://schemas.microsoft.com/office/powerpoint/2010/main" val="2309846467"/>
               </p:ext>
             </p:extLst>
           </p:nvPr>
@@ -9534,18 +9534,7 @@
                           <a:ea typeface="+mn-ea"/>
                           <a:cs typeface="+mn-cs"/>
                         </a:rPr>
-                        <a:t>&lt;</a:t>
-                      </a:r>
-                      <a:r>
-                        <a:rPr lang="fr-FR" sz="700" b="0" i="0" kern="1200" baseline="0" dirty="0" err="1">
-                          <a:solidFill>
-                            <a:schemeClr val="tx1"/>
-                          </a:solidFill>
-                          <a:latin typeface="+mn-lt"/>
-                          <a:ea typeface="+mn-ea"/>
-                          <a:cs typeface="+mn-cs"/>
-                        </a:rPr>
-                        <a:t>dates_paiement_autocall</a:t>
+                        <a:t>&lt;Datesremb3</a:t>
                       </a:r>
                       <a:r>
                         <a:rPr lang="fr-FR" sz="700" b="0" i="0" kern="1200" baseline="0" dirty="0">
@@ -13134,7 +13123,7 @@
           <p:nvPr>
             <p:extLst>
               <p:ext uri="{D42A27DB-BD31-4B8C-83A1-F6EECF244321}">
-                <p14:modId xmlns:p14="http://schemas.microsoft.com/office/powerpoint/2010/main" val="1670110750"/>
+                <p14:modId xmlns:p14="http://schemas.microsoft.com/office/powerpoint/2010/main" val="2217293673"/>
               </p:ext>
             </p:extLst>
           </p:nvPr>
@@ -16964,7 +16953,7 @@
                         <a:defRPr/>
                       </a:pPr>
                       <a:r>
-                        <a:rPr lang="fr-FR" sz="700" b="0" i="0" kern="1200" dirty="0">
+                        <a:rPr lang="fr-FR" sz="700" b="0" i="0" kern="1200">
                           <a:solidFill>
                             <a:schemeClr val="tx1"/>
                           </a:solidFill>
@@ -16972,21 +16961,10 @@
                           <a:ea typeface="+mn-ea"/>
                           <a:cs typeface="+mn-cs"/>
                         </a:rPr>
-                        <a:t>&lt;</a:t>
+                        <a:t>&lt;Datesremb3</a:t>
                       </a:r>
                       <a:r>
-                        <a:rPr lang="fr-FR" sz="700" b="0" i="0" kern="1200" dirty="0" err="1">
-                          <a:solidFill>
-                            <a:schemeClr val="tx1"/>
-                          </a:solidFill>
-                          <a:latin typeface="+mn-lt"/>
-                          <a:ea typeface="+mn-ea"/>
-                          <a:cs typeface="+mn-cs"/>
-                        </a:rPr>
-                        <a:t>dates_last_remboursement_rappel</a:t>
-                      </a:r>
-                      <a:r>
-                        <a:rPr lang="fr-FR" sz="700" b="0" i="0" kern="1200" dirty="0">
+                        <a:rPr lang="fr-FR" sz="700" b="0" i="0" kern="1200" baseline="0">
                           <a:solidFill>
                             <a:schemeClr val="tx1"/>
                           </a:solidFill>
@@ -16996,6 +16974,14 @@
                         </a:rPr>
                         <a:t>&gt;</a:t>
                       </a:r>
+                      <a:endParaRPr lang="fr-FR" sz="700" b="0" i="0" kern="1200" baseline="0" dirty="0">
+                        <a:solidFill>
+                          <a:schemeClr val="tx1"/>
+                        </a:solidFill>
+                        <a:latin typeface="+mn-lt"/>
+                        <a:ea typeface="+mn-ea"/>
+                        <a:cs typeface="+mn-cs"/>
+                      </a:endParaRPr>
                     </a:p>
                   </a:txBody>
                   <a:tcPr marL="72000" marR="72000" marT="46800" marB="46800" anchor="ctr" horzOverflow="overflow">
@@ -35620,6 +35606,27 @@
 </file>
 
 <file path=customXml/item1.xml><?xml version="1.0" encoding="utf-8"?>
+<p:properties xmlns:p="http://schemas.microsoft.com/office/2006/metadata/properties" xmlns:xsi="http://www.w3.org/2001/XMLSchema-instance" xmlns:pc="http://schemas.microsoft.com/office/infopath/2007/PartnerControls">
+  <documentManagement>
+    <_Flow_SignoffStatus xmlns="ef624bc2-1644-4d69-8362-5c28ca496374" xsi:nil="true"/>
+    <TaxCatchAll xmlns="514a554b-82b0-4359-b247-fc84018a95f0" xsi:nil="true"/>
+    <lcf76f155ced4ddcb4097134ff3c332f xmlns="ef624bc2-1644-4d69-8362-5c28ca496374">
+      <Terms xmlns="http://schemas.microsoft.com/office/infopath/2007/PartnerControls"/>
+    </lcf76f155ced4ddcb4097134ff3c332f>
+  </documentManagement>
+</p:properties>
+</file>
+
+<file path=customXml/item2.xml><?xml version="1.0" encoding="utf-8"?>
+<?mso-contentType ?>
+<FormTemplates xmlns="http://schemas.microsoft.com/sharepoint/v3/contenttype/forms">
+  <Display>DocumentLibraryForm</Display>
+  <Edit>DocumentLibraryForm</Edit>
+  <New>DocumentLibraryForm</New>
+</FormTemplates>
+</file>
+
+<file path=customXml/item3.xml><?xml version="1.0" encoding="utf-8"?>
 <ct:contentTypeSchema xmlns:ct="http://schemas.microsoft.com/office/2006/metadata/contentType" xmlns:ma="http://schemas.microsoft.com/office/2006/metadata/properties/metaAttributes" ct:_="" ma:_="" ma:contentTypeName="Document" ma:contentTypeID="0x0101005DDE610BC516E448BB8152259F39635A" ma:contentTypeVersion="17" ma:contentTypeDescription="Crée un document." ma:contentTypeScope="" ma:versionID="bfb75e103009df80b8e5001438c41194">
   <xsd:schema xmlns:xsd="http://www.w3.org/2001/XMLSchema" xmlns:xs="http://www.w3.org/2001/XMLSchema" xmlns:p="http://schemas.microsoft.com/office/2006/metadata/properties" xmlns:ns2="ef624bc2-1644-4d69-8362-5c28ca496374" xmlns:ns3="514a554b-82b0-4359-b247-fc84018a95f0" targetNamespace="http://schemas.microsoft.com/office/2006/metadata/properties" ma:root="true" ma:fieldsID="2ae3df86d13efbb4a35042af2564d386" ns2:_="" ns3:_="">
     <xsd:import namespace="ef624bc2-1644-4d69-8362-5c28ca496374"/>
@@ -35868,28 +35875,32 @@
 </ct:contentTypeSchema>
 </file>
 
-<file path=customXml/item2.xml><?xml version="1.0" encoding="utf-8"?>
-<?mso-contentType ?>
-<FormTemplates xmlns="http://schemas.microsoft.com/sharepoint/v3/contenttype/forms">
-  <Display>DocumentLibraryForm</Display>
-  <Edit>DocumentLibraryForm</Edit>
-  <New>DocumentLibraryForm</New>
-</FormTemplates>
+<file path=customXml/itemProps1.xml><?xml version="1.0" encoding="utf-8"?>
+<ds:datastoreItem xmlns:ds="http://schemas.openxmlformats.org/officeDocument/2006/customXml" ds:itemID="{25DE574B-2CD2-4078-9BEA-2A14717D9698}">
+  <ds:schemaRefs>
+    <ds:schemaRef ds:uri="514a554b-82b0-4359-b247-fc84018a95f0"/>
+    <ds:schemaRef ds:uri="ef624bc2-1644-4d69-8362-5c28ca496374"/>
+    <ds:schemaRef ds:uri="http://purl.org/dc/dcmitype/"/>
+    <ds:schemaRef ds:uri="http://purl.org/dc/elements/1.1/"/>
+    <ds:schemaRef ds:uri="http://purl.org/dc/terms/"/>
+    <ds:schemaRef ds:uri="http://schemas.microsoft.com/office/2006/documentManagement/types"/>
+    <ds:schemaRef ds:uri="http://schemas.microsoft.com/office/2006/metadata/properties"/>
+    <ds:schemaRef ds:uri="http://schemas.microsoft.com/office/infopath/2007/PartnerControls"/>
+    <ds:schemaRef ds:uri="http://schemas.openxmlformats.org/package/2006/metadata/core-properties"/>
+    <ds:schemaRef ds:uri="http://www.w3.org/XML/1998/namespace"/>
+  </ds:schemaRefs>
+</ds:datastoreItem>
 </file>
 
-<file path=customXml/item3.xml><?xml version="1.0" encoding="utf-8"?>
-<p:properties xmlns:p="http://schemas.microsoft.com/office/2006/metadata/properties" xmlns:xsi="http://www.w3.org/2001/XMLSchema-instance" xmlns:pc="http://schemas.microsoft.com/office/infopath/2007/PartnerControls">
-  <documentManagement>
-    <_Flow_SignoffStatus xmlns="ef624bc2-1644-4d69-8362-5c28ca496374" xsi:nil="true"/>
-    <TaxCatchAll xmlns="514a554b-82b0-4359-b247-fc84018a95f0" xsi:nil="true"/>
-    <lcf76f155ced4ddcb4097134ff3c332f xmlns="ef624bc2-1644-4d69-8362-5c28ca496374">
-      <Terms xmlns="http://schemas.microsoft.com/office/infopath/2007/PartnerControls"/>
-    </lcf76f155ced4ddcb4097134ff3c332f>
-  </documentManagement>
-</p:properties>
+<file path=customXml/itemProps2.xml><?xml version="1.0" encoding="utf-8"?>
+<ds:datastoreItem xmlns:ds="http://schemas.openxmlformats.org/officeDocument/2006/customXml" ds:itemID="{B00FC41E-FBDE-42E2-B58A-20EBD240A376}">
+  <ds:schemaRefs>
+    <ds:schemaRef ds:uri="http://schemas.microsoft.com/sharepoint/v3/contenttype/forms"/>
+  </ds:schemaRefs>
+</ds:datastoreItem>
 </file>
 
-<file path=customXml/itemProps1.xml><?xml version="1.0" encoding="utf-8"?>
+<file path=customXml/itemProps3.xml><?xml version="1.0" encoding="utf-8"?>
 <ds:datastoreItem xmlns:ds="http://schemas.openxmlformats.org/officeDocument/2006/customXml" ds:itemID="{DE898DE2-83E7-42CE-B7CD-9C9DF4B16BA4}">
   <ds:schemaRefs>
     <ds:schemaRef ds:uri="http://schemas.microsoft.com/office/2006/metadata/contentType"/>
@@ -35906,29 +35917,4 @@
     <ds:schemaRef ds:uri="http://schemas.microsoft.com/internal/obd"/>
   </ds:schemaRefs>
 </ds:datastoreItem>
-</file>
-
-<file path=customXml/itemProps2.xml><?xml version="1.0" encoding="utf-8"?>
-<ds:datastoreItem xmlns:ds="http://schemas.openxmlformats.org/officeDocument/2006/customXml" ds:itemID="{B00FC41E-FBDE-42E2-B58A-20EBD240A376}">
-  <ds:schemaRefs>
-    <ds:schemaRef ds:uri="http://schemas.microsoft.com/sharepoint/v3/contenttype/forms"/>
-  </ds:schemaRefs>
-</ds:datastoreItem>
-</file>
-
-<file path=customXml/itemProps3.xml><?xml version="1.0" encoding="utf-8"?>
-<ds:datastoreItem xmlns:ds="http://schemas.openxmlformats.org/officeDocument/2006/customXml" ds:itemID="{25DE574B-2CD2-4078-9BEA-2A14717D9698}">
-  <ds:schemaRefs>
-    <ds:schemaRef ds:uri="514a554b-82b0-4359-b247-fc84018a95f0"/>
-    <ds:schemaRef ds:uri="ef624bc2-1644-4d69-8362-5c28ca496374"/>
-    <ds:schemaRef ds:uri="http://purl.org/dc/dcmitype/"/>
-    <ds:schemaRef ds:uri="http://purl.org/dc/elements/1.1/"/>
-    <ds:schemaRef ds:uri="http://purl.org/dc/terms/"/>
-    <ds:schemaRef ds:uri="http://schemas.microsoft.com/office/2006/documentManagement/types"/>
-    <ds:schemaRef ds:uri="http://schemas.microsoft.com/office/2006/metadata/properties"/>
-    <ds:schemaRef ds:uri="http://schemas.microsoft.com/office/infopath/2007/PartnerControls"/>
-    <ds:schemaRef ds:uri="http://schemas.openxmlformats.org/package/2006/metadata/core-properties"/>
-    <ds:schemaRef ds:uri="http://www.w3.org/XML/1998/namespace"/>
-  </ds:schemaRefs>
-</ds:datastoreItem>
 </file>